--- a/Silde báo coa  khóa luận VTT.pptx
+++ b/Silde báo coa  khóa luận VTT.pptx
@@ -5,10 +5,10 @@
     <p:sldMasterId id="2147483708" r:id="rId1"/>
   </p:sldMasterIdLst>
   <p:notesMasterIdLst>
-    <p:notesMasterId r:id="rId18"/>
+    <p:notesMasterId r:id="rId19"/>
   </p:notesMasterIdLst>
   <p:handoutMasterIdLst>
-    <p:handoutMasterId r:id="rId19"/>
+    <p:handoutMasterId r:id="rId20"/>
   </p:handoutMasterIdLst>
   <p:sldIdLst>
     <p:sldId id="265" r:id="rId2"/>
@@ -24,9 +24,10 @@
     <p:sldId id="269" r:id="rId12"/>
     <p:sldId id="282" r:id="rId13"/>
     <p:sldId id="283" r:id="rId14"/>
-    <p:sldId id="284" r:id="rId15"/>
-    <p:sldId id="285" r:id="rId16"/>
-    <p:sldId id="271" r:id="rId17"/>
+    <p:sldId id="286" r:id="rId15"/>
+    <p:sldId id="284" r:id="rId16"/>
+    <p:sldId id="285" r:id="rId17"/>
+    <p:sldId id="271" r:id="rId18"/>
   </p:sldIdLst>
   <p:sldSz cx="9144000" cy="6858000" type="screen4x3"/>
   <p:notesSz cx="6858000" cy="9144000"/>
@@ -143,6 +144,7 @@
             <p14:sldId id="269"/>
             <p14:sldId id="282"/>
             <p14:sldId id="283"/>
+            <p14:sldId id="286"/>
             <p14:sldId id="284"/>
             <p14:sldId id="285"/>
             <p14:sldId id="271"/>
@@ -236,7 +238,7 @@
           <a:p>
             <a:fld id="{F4D1D31F-ADAE-499F-AEEC-D66713C91EC4}" type="datetimeFigureOut">
               <a:rPr lang="en-US" smtClean="0"/>
-              <a:t>2019-06-05</a:t>
+              <a:t>2019-06-17</a:t>
             </a:fld>
             <a:endParaRPr lang="en-US"/>
           </a:p>
@@ -402,7 +404,7 @@
           <a:p>
             <a:fld id="{F4899FC9-19FB-481D-B997-A3FF1FB12BD0}" type="datetimeFigureOut">
               <a:rPr lang="en-US" smtClean="0"/>
-              <a:t>2019-06-05</a:t>
+              <a:t>2019-06-17</a:t>
             </a:fld>
             <a:endParaRPr lang="en-US"/>
           </a:p>
@@ -759,7 +761,7 @@
           <a:p>
             <a:fld id="{CE9258CD-8258-4B92-92F7-89733C4C2D07}" type="datetime1">
               <a:rPr lang="en-US" smtClean="0"/>
-              <a:t>2019-06-05</a:t>
+              <a:t>2019-06-17</a:t>
             </a:fld>
             <a:endParaRPr lang="en-US"/>
           </a:p>
@@ -885,7 +887,7 @@
           <a:p>
             <a:fld id="{CE9258CD-8258-4B92-92F7-89733C4C2D07}" type="datetime1">
               <a:rPr lang="en-US" smtClean="0"/>
-              <a:t>2019-06-05</a:t>
+              <a:t>2019-06-17</a:t>
             </a:fld>
             <a:endParaRPr lang="en-US"/>
           </a:p>
@@ -1011,7 +1013,7 @@
           <a:p>
             <a:fld id="{CE9258CD-8258-4B92-92F7-89733C4C2D07}" type="datetime1">
               <a:rPr lang="en-US" smtClean="0"/>
-              <a:t>2019-06-05</a:t>
+              <a:t>2019-06-17</a:t>
             </a:fld>
             <a:endParaRPr lang="en-US"/>
           </a:p>
@@ -1137,7 +1139,7 @@
           <a:p>
             <a:fld id="{CE9258CD-8258-4B92-92F7-89733C4C2D07}" type="datetime1">
               <a:rPr lang="en-US" smtClean="0"/>
-              <a:t>2019-06-05</a:t>
+              <a:t>2019-06-17</a:t>
             </a:fld>
             <a:endParaRPr lang="en-US"/>
           </a:p>
@@ -1263,7 +1265,133 @@
           <a:p>
             <a:fld id="{CE9258CD-8258-4B92-92F7-89733C4C2D07}" type="datetime1">
               <a:rPr lang="en-US" smtClean="0"/>
-              <a:t>2019-06-05</a:t>
+              <a:t>2019-06-17</a:t>
+            </a:fld>
+            <a:endParaRPr lang="en-US"/>
+          </a:p>
+        </p:txBody>
+      </p:sp>
+      <p:sp>
+        <p:nvSpPr>
+          <p:cNvPr id="6" name="Footer Placeholder 5"/>
+          <p:cNvSpPr>
+            <a:spLocks noGrp="1"/>
+          </p:cNvSpPr>
+          <p:nvPr>
+            <p:ph type="ftr" sz="quarter" idx="12"/>
+          </p:nvPr>
+        </p:nvSpPr>
+        <p:spPr/>
+        <p:txBody>
+          <a:bodyPr/>
+          <a:lstStyle/>
+          <a:p>
+            <a:endParaRPr lang="en-US"/>
+          </a:p>
+        </p:txBody>
+      </p:sp>
+    </p:spTree>
+    <p:extLst>
+      <p:ext uri="{BB962C8B-B14F-4D97-AF65-F5344CB8AC3E}">
+        <p14:creationId xmlns:p14="http://schemas.microsoft.com/office/powerpoint/2010/main" val="1927074775"/>
+      </p:ext>
+    </p:extLst>
+  </p:cSld>
+  <p:clrMapOvr>
+    <a:masterClrMapping/>
+  </p:clrMapOvr>
+</p:notes>
+</file>
+
+<file path=ppt/notesSlides/notesSlide6.xml><?xml version="1.0" encoding="utf-8"?>
+<p:notes xmlns:a="http://schemas.openxmlformats.org/drawingml/2006/main" xmlns:r="http://schemas.openxmlformats.org/officeDocument/2006/relationships" xmlns:p="http://schemas.openxmlformats.org/presentationml/2006/main">
+  <p:cSld>
+    <p:spTree>
+      <p:nvGrpSpPr>
+        <p:cNvPr id="1" name=""/>
+        <p:cNvGrpSpPr/>
+        <p:nvPr/>
+      </p:nvGrpSpPr>
+      <p:grpSpPr>
+        <a:xfrm>
+          <a:off x="0" y="0"/>
+          <a:ext cx="0" cy="0"/>
+          <a:chOff x="0" y="0"/>
+          <a:chExt cx="0" cy="0"/>
+        </a:xfrm>
+      </p:grpSpPr>
+      <p:sp>
+        <p:nvSpPr>
+          <p:cNvPr id="2" name="Slide Image Placeholder 1"/>
+          <p:cNvSpPr>
+            <a:spLocks noGrp="1" noRot="1" noChangeAspect="1"/>
+          </p:cNvSpPr>
+          <p:nvPr>
+            <p:ph type="sldImg"/>
+          </p:nvPr>
+        </p:nvSpPr>
+        <p:spPr/>
+      </p:sp>
+      <p:sp>
+        <p:nvSpPr>
+          <p:cNvPr id="3" name="Notes Placeholder 2"/>
+          <p:cNvSpPr>
+            <a:spLocks noGrp="1"/>
+          </p:cNvSpPr>
+          <p:nvPr>
+            <p:ph type="body" idx="1"/>
+          </p:nvPr>
+        </p:nvSpPr>
+        <p:spPr/>
+        <p:txBody>
+          <a:bodyPr/>
+          <a:lstStyle/>
+          <a:p>
+            <a:endParaRPr lang="en-US"/>
+          </a:p>
+        </p:txBody>
+      </p:sp>
+      <p:sp>
+        <p:nvSpPr>
+          <p:cNvPr id="4" name="Slide Number Placeholder 3"/>
+          <p:cNvSpPr>
+            <a:spLocks noGrp="1"/>
+          </p:cNvSpPr>
+          <p:nvPr>
+            <p:ph type="sldNum" sz="quarter" idx="10"/>
+          </p:nvPr>
+        </p:nvSpPr>
+        <p:spPr/>
+        <p:txBody>
+          <a:bodyPr/>
+          <a:lstStyle/>
+          <a:p>
+            <a:fld id="{8E97F8BA-393B-43BB-B9C1-5FEBB4AFBDE8}" type="slidenum">
+              <a:rPr lang="en-US" smtClean="0"/>
+              <a:t>16</a:t>
+            </a:fld>
+            <a:endParaRPr lang="en-US"/>
+          </a:p>
+        </p:txBody>
+      </p:sp>
+      <p:sp>
+        <p:nvSpPr>
+          <p:cNvPr id="5" name="Date Placeholder 4"/>
+          <p:cNvSpPr>
+            <a:spLocks noGrp="1"/>
+          </p:cNvSpPr>
+          <p:nvPr>
+            <p:ph type="dt" idx="11"/>
+          </p:nvPr>
+        </p:nvSpPr>
+        <p:spPr/>
+        <p:txBody>
+          <a:bodyPr/>
+          <a:lstStyle/>
+          <a:p>
+            <a:fld id="{CE9258CD-8258-4B92-92F7-89733C4C2D07}" type="datetime1">
+              <a:rPr lang="en-US" smtClean="0"/>
+              <a:t>2019-06-17</a:t>
             </a:fld>
             <a:endParaRPr lang="en-US"/>
           </a:p>
@@ -3639,8 +3767,8 @@
         </p:nvSpPr>
         <p:spPr bwMode="auto">
           <a:xfrm>
-            <a:off x="0" y="-18143"/>
-            <a:ext cx="9144000" cy="1524000"/>
+            <a:off x="0" y="114300"/>
+            <a:ext cx="9144000" cy="1237343"/>
           </a:xfrm>
           <a:prstGeom prst="rect">
             <a:avLst/>
@@ -3820,9 +3948,7 @@
             <a:r>
               <a:rPr lang="en-US" b="1" smtClean="0">
                 <a:solidFill>
-                  <a:schemeClr val="accent5">
-                    <a:lumMod val="10000"/>
-                  </a:schemeClr>
+                  <a:srgbClr val="FFFF00"/>
                 </a:solidFill>
                 <a:latin typeface="Times New Roman" pitchFamily="18" charset="0"/>
                 <a:cs typeface="Times New Roman" pitchFamily="18" charset="0"/>
@@ -3838,9 +3964,7 @@
             <a:r>
               <a:rPr lang="en-US" b="1" smtClean="0">
                 <a:solidFill>
-                  <a:schemeClr val="accent5">
-                    <a:lumMod val="10000"/>
-                  </a:schemeClr>
+                  <a:srgbClr val="FFFF00"/>
                 </a:solidFill>
                 <a:latin typeface="Times New Roman" pitchFamily="18" charset="0"/>
                 <a:cs typeface="Times New Roman" pitchFamily="18" charset="0"/>
@@ -3849,9 +3973,7 @@
             </a:r>
             <a:endParaRPr lang="en-US" dirty="0">
               <a:solidFill>
-                <a:schemeClr val="accent5">
-                  <a:lumMod val="10000"/>
-                </a:schemeClr>
+                <a:srgbClr val="FFFF00"/>
               </a:solidFill>
               <a:latin typeface="Times New Roman" pitchFamily="18" charset="0"/>
               <a:cs typeface="Times New Roman" pitchFamily="18" charset="0"/>
@@ -3882,7 +4004,7 @@
         </p:blipFill>
         <p:spPr bwMode="auto">
           <a:xfrm>
-            <a:off x="4042074" y="1219200"/>
+            <a:off x="4042074" y="1409700"/>
             <a:ext cx="1016309" cy="854530"/>
           </a:xfrm>
           <a:prstGeom prst="rect">
@@ -3921,41 +4043,6 @@
           <a:extLst/>
         </p:spPr>
       </p:pic>
-      <p:sp>
-        <p:nvSpPr>
-          <p:cNvPr id="5" name="Title 1"/>
-          <p:cNvSpPr>
-            <a:spLocks noGrp="1"/>
-          </p:cNvSpPr>
-          <p:nvPr>
-            <p:ph type="title"/>
-          </p:nvPr>
-        </p:nvSpPr>
-        <p:spPr>
-          <a:xfrm>
-            <a:off x="914400" y="1417638"/>
-            <a:ext cx="1600200" cy="411162"/>
-          </a:xfrm>
-        </p:spPr>
-        <p:txBody>
-          <a:bodyPr/>
-          <a:lstStyle/>
-          <a:p>
-            <a:pPr algn="r"/>
-            <a:r>
-              <a:rPr lang="en-US" sz="2000" smtClean="0">
-                <a:latin typeface="Times New Roman" pitchFamily="18" charset="0"/>
-                <a:cs typeface="Times New Roman" pitchFamily="18" charset="0"/>
-              </a:rPr>
-              <a:t>1</a:t>
-            </a:r>
-            <a:endParaRPr lang="en-US" sz="2000">
-              <a:latin typeface="Times New Roman" pitchFamily="18" charset="0"/>
-              <a:cs typeface="Times New Roman" pitchFamily="18" charset="0"/>
-            </a:endParaRPr>
-          </a:p>
-        </p:txBody>
-      </p:sp>
       <p:sp>
         <p:nvSpPr>
           <p:cNvPr id="6" name="Title 1"/>
@@ -4217,7 +4304,7 @@
             <a:r>
               <a:rPr lang="en-US" sz="4000" smtClean="0">
                 <a:solidFill>
-                  <a:sysClr val="windowText" lastClr="000000"/>
+                  <a:srgbClr val="FFFF00"/>
                 </a:solidFill>
                 <a:latin typeface="Times New Roman" pitchFamily="18" charset="0"/>
                 <a:cs typeface="Times New Roman" pitchFamily="18" charset="0"/>
@@ -4237,7 +4324,7 @@
         </p:nvSpPr>
         <p:spPr bwMode="auto">
           <a:xfrm>
-            <a:off x="7391400" y="6240303"/>
+            <a:off x="7391400" y="6366477"/>
             <a:ext cx="1600200" cy="411162"/>
           </a:xfrm>
           <a:prstGeom prst="rect">
@@ -4455,7 +4542,7 @@
                 <a:latin typeface="Times New Roman" pitchFamily="18" charset="0"/>
                 <a:cs typeface="Times New Roman" pitchFamily="18" charset="0"/>
               </a:rPr>
-              <a:t>Một số from</a:t>
+              <a:t>Giao diện chính</a:t>
             </a:r>
           </a:p>
         </p:txBody>
@@ -4483,7 +4570,7 @@
         </p:blipFill>
         <p:spPr bwMode="auto">
           <a:xfrm>
-            <a:off x="381000" y="1429512"/>
+            <a:off x="304800" y="1600962"/>
             <a:ext cx="8538567" cy="4800600"/>
           </a:xfrm>
           <a:prstGeom prst="rect">
@@ -4573,8 +4660,8 @@
         </p:nvSpPr>
         <p:spPr>
           <a:xfrm>
-            <a:off x="469900" y="1905000"/>
-            <a:ext cx="8229600" cy="4114800"/>
+            <a:off x="304800" y="1905000"/>
+            <a:ext cx="8686800" cy="4114800"/>
           </a:xfrm>
           <a:ln>
             <a:noFill/>
@@ -4629,7 +4716,7 @@
                 <a:latin typeface="Times New Roman" pitchFamily="18" charset="0"/>
                 <a:cs typeface="Times New Roman" pitchFamily="18" charset="0"/>
               </a:rPr>
-              <a:t>Các chức năng dành cho từng người dùng cụ thể</a:t>
+              <a:t>Có các chức năng dành cho từng người dùng cụ thể</a:t>
             </a:r>
           </a:p>
           <a:p>
@@ -4645,7 +4732,7 @@
                 <a:latin typeface="Times New Roman" pitchFamily="18" charset="0"/>
                 <a:cs typeface="Times New Roman" pitchFamily="18" charset="0"/>
               </a:rPr>
-              <a:t>Các tìm kiếm theo nhiều tiêu chí</a:t>
+              <a:t>Có các tìm kiếm theo nhiều tiêu chí</a:t>
             </a:r>
           </a:p>
           <a:p>
@@ -4661,7 +4748,21 @@
                 <a:latin typeface="Times New Roman" pitchFamily="18" charset="0"/>
                 <a:cs typeface="Times New Roman" pitchFamily="18" charset="0"/>
               </a:rPr>
-              <a:t>Các thông kê báo cáo</a:t>
+              <a:t>Có các </a:t>
+            </a:r>
+            <a:r>
+              <a:rPr lang="en-US" smtClean="0">
+                <a:latin typeface="Times New Roman" pitchFamily="18" charset="0"/>
+                <a:cs typeface="Times New Roman" pitchFamily="18" charset="0"/>
+              </a:rPr>
+              <a:t>thống </a:t>
+            </a:r>
+            <a:r>
+              <a:rPr lang="en-US" smtClean="0">
+                <a:latin typeface="Times New Roman" pitchFamily="18" charset="0"/>
+                <a:cs typeface="Times New Roman" pitchFamily="18" charset="0"/>
+              </a:rPr>
+              <a:t>kê</a:t>
             </a:r>
           </a:p>
           <a:p>
@@ -4677,7 +4778,7 @@
                 <a:latin typeface="Times New Roman" pitchFamily="18" charset="0"/>
                 <a:cs typeface="Times New Roman" pitchFamily="18" charset="0"/>
               </a:rPr>
-              <a:t>Xuất được file Exce</a:t>
+              <a:t>Xuất được file Excel</a:t>
             </a:r>
           </a:p>
         </p:txBody>
@@ -4729,9 +4830,7 @@
             <a:r>
               <a:rPr lang="en-US" sz="4000" smtClean="0">
                 <a:solidFill>
-                  <a:schemeClr val="accent5">
-                    <a:lumMod val="10000"/>
-                  </a:schemeClr>
+                  <a:srgbClr val="FFFF00"/>
                 </a:solidFill>
                 <a:latin typeface="Times New Roman" pitchFamily="18" charset="0"/>
                 <a:cs typeface="Times New Roman" pitchFamily="18" charset="0"/>
@@ -4740,9 +4839,7 @@
             </a:r>
             <a:endParaRPr lang="en-US" sz="4000">
               <a:solidFill>
-                <a:schemeClr val="accent5">
-                  <a:lumMod val="10000"/>
-                </a:schemeClr>
+                <a:srgbClr val="FFFF00"/>
               </a:solidFill>
               <a:latin typeface="Times New Roman" pitchFamily="18" charset="0"/>
               <a:cs typeface="Times New Roman" pitchFamily="18" charset="0"/>
@@ -5527,8 +5624,8 @@
         </p:nvSpPr>
         <p:spPr>
           <a:xfrm>
-            <a:off x="469900" y="1905000"/>
-            <a:ext cx="8229600" cy="4114800"/>
+            <a:off x="228600" y="1905000"/>
+            <a:ext cx="8915400" cy="4114800"/>
           </a:xfrm>
           <a:ln>
             <a:noFill/>
@@ -5567,7 +5664,7 @@
                 <a:latin typeface="Times New Roman" pitchFamily="18" charset="0"/>
                 <a:cs typeface="Times New Roman" pitchFamily="18" charset="0"/>
               </a:rPr>
-              <a:t>Các chức năng dành cho từng người dùng cụ thể</a:t>
+              <a:t>Có các chức năng dành cho từng người dùng cụ thể</a:t>
             </a:r>
           </a:p>
           <a:p>
@@ -5583,7 +5680,7 @@
                 <a:latin typeface="Times New Roman" pitchFamily="18" charset="0"/>
                 <a:cs typeface="Times New Roman" pitchFamily="18" charset="0"/>
               </a:rPr>
-              <a:t>Có mã hóa dữ liệu bằng thuật toán MD5</a:t>
+              <a:t>Mã hóa dữ liệu bằng thuật toán MD5</a:t>
             </a:r>
           </a:p>
           <a:p>
@@ -5599,7 +5696,7 @@
                 <a:latin typeface="Times New Roman" pitchFamily="18" charset="0"/>
                 <a:cs typeface="Times New Roman" pitchFamily="18" charset="0"/>
               </a:rPr>
-              <a:t>Các ràng buộc toàn viện.</a:t>
+              <a:t>Kiểm tra các ràng buộc toàn vẹn.</a:t>
             </a:r>
           </a:p>
           <a:p>
@@ -5631,7 +5728,7 @@
                 <a:latin typeface="Times New Roman" pitchFamily="18" charset="0"/>
                 <a:cs typeface="Times New Roman" pitchFamily="18" charset="0"/>
               </a:rPr>
-              <a:t>Thống kê báo cáo</a:t>
+              <a:t>Thống kê</a:t>
             </a:r>
           </a:p>
         </p:txBody>
@@ -5683,9 +5780,7 @@
             <a:r>
               <a:rPr lang="en-US" sz="4000" smtClean="0">
                 <a:solidFill>
-                  <a:schemeClr val="accent5">
-                    <a:lumMod val="10000"/>
-                  </a:schemeClr>
+                  <a:srgbClr val="FFFF00"/>
                 </a:solidFill>
                 <a:latin typeface="Times New Roman" pitchFamily="18" charset="0"/>
                 <a:cs typeface="Times New Roman" pitchFamily="18" charset="0"/>
@@ -5694,9 +5789,7 @@
             </a:r>
             <a:endParaRPr lang="en-US" sz="4000">
               <a:solidFill>
-                <a:schemeClr val="accent5">
-                  <a:lumMod val="10000"/>
-                </a:schemeClr>
+                <a:srgbClr val="FFFF00"/>
               </a:solidFill>
               <a:latin typeface="Times New Roman" pitchFamily="18" charset="0"/>
               <a:cs typeface="Times New Roman" pitchFamily="18" charset="0"/>
@@ -6484,8 +6577,8 @@
         </p:nvSpPr>
         <p:spPr>
           <a:xfrm>
-            <a:off x="228600" y="1447799"/>
-            <a:ext cx="8610600" cy="5203665"/>
+            <a:off x="247650" y="1676400"/>
+            <a:ext cx="8610600" cy="4301332"/>
           </a:xfrm>
           <a:ln>
             <a:noFill/>
@@ -6538,61 +6631,14 @@
                 <a:latin typeface="Times New Roman" pitchFamily="18" charset="0"/>
                 <a:cs typeface="Times New Roman" pitchFamily="18" charset="0"/>
               </a:rPr>
-              <a:t>Một vài chức năng tìm kiếm chưa đáp ứng được.</a:t>
-            </a:r>
-          </a:p>
-          <a:p>
-            <a:pPr lvl="1"/>
-            <a:r>
-              <a:rPr lang="en-US">
-                <a:latin typeface="Times New Roman" pitchFamily="18" charset="0"/>
-                <a:cs typeface="Times New Roman" pitchFamily="18" charset="0"/>
-              </a:rPr>
-              <a:t>Quản lý điện nước.</a:t>
-            </a:r>
-          </a:p>
-          <a:p>
-            <a:pPr lvl="1"/>
-            <a:r>
-              <a:rPr lang="en-US">
-                <a:latin typeface="Times New Roman" pitchFamily="18" charset="0"/>
-                <a:cs typeface="Times New Roman" pitchFamily="18" charset="0"/>
-              </a:rPr>
-              <a:t>Đăng ký online, duyệt đơn đăng ký.</a:t>
-            </a:r>
-          </a:p>
-          <a:p>
-            <a:pPr lvl="1"/>
-            <a:r>
-              <a:rPr lang="en-US">
-                <a:latin typeface="Times New Roman" pitchFamily="18" charset="0"/>
-                <a:cs typeface="Times New Roman" pitchFamily="18" charset="0"/>
-              </a:rPr>
-              <a:t>Quản lý thiết bị chưa chi tiết tài sản, mất hoặc chuyển từ phòng này sang phòng </a:t>
+              <a:t>Một vài chức năng tìm kiếm chưa đáp ứng được</a:t>
             </a:r>
             <a:r>
               <a:rPr lang="en-US" smtClean="0">
                 <a:latin typeface="Times New Roman" pitchFamily="18" charset="0"/>
                 <a:cs typeface="Times New Roman" pitchFamily="18" charset="0"/>
               </a:rPr>
-              <a:t>khác.</a:t>
-            </a:r>
-          </a:p>
-          <a:p>
-            <a:pPr lvl="1"/>
-            <a:r>
-              <a:rPr lang="en-US" smtClean="0">
-                <a:latin typeface="Times New Roman" pitchFamily="18" charset="0"/>
-                <a:cs typeface="Times New Roman" pitchFamily="18" charset="0"/>
-              </a:rPr>
-              <a:t>Quản </a:t>
-            </a:r>
-            <a:r>
-              <a:rPr lang="en-US">
-                <a:latin typeface="Times New Roman" pitchFamily="18" charset="0"/>
-                <a:cs typeface="Times New Roman" pitchFamily="18" charset="0"/>
-              </a:rPr>
-              <a:t>lý sinh viên ở phòng chưa quản lý được sinh viên đó sử dụng gường nào, tủ đựng đồ nào</a:t>
+              <a:t>.</a:t>
             </a:r>
           </a:p>
         </p:txBody>
@@ -6644,9 +6690,7 @@
             <a:r>
               <a:rPr lang="en-US" sz="4000" smtClean="0">
                 <a:solidFill>
-                  <a:schemeClr val="accent5">
-                    <a:lumMod val="10000"/>
-                  </a:schemeClr>
+                  <a:srgbClr val="FFFF00"/>
                 </a:solidFill>
                 <a:latin typeface="Times New Roman" pitchFamily="18" charset="0"/>
                 <a:cs typeface="Times New Roman" pitchFamily="18" charset="0"/>
@@ -6655,9 +6699,7 @@
             </a:r>
             <a:endParaRPr lang="en-US" sz="4000">
               <a:solidFill>
-                <a:schemeClr val="accent5">
-                  <a:lumMod val="10000"/>
-                </a:schemeClr>
+                <a:srgbClr val="FFFF00"/>
               </a:solidFill>
               <a:latin typeface="Times New Roman" pitchFamily="18" charset="0"/>
               <a:cs typeface="Times New Roman" pitchFamily="18" charset="0"/>
@@ -6846,6 +6888,848 @@
     <p:extLst>
       <p:ext uri="{BB962C8B-B14F-4D97-AF65-F5344CB8AC3E}">
         <p14:creationId xmlns:p14="http://schemas.microsoft.com/office/powerpoint/2010/main" val="506233570"/>
+      </p:ext>
+    </p:extLst>
+  </p:cSld>
+  <p:clrMapOvr>
+    <a:masterClrMapping/>
+  </p:clrMapOvr>
+  <p:timing>
+    <p:tnLst>
+      <p:par>
+        <p:cTn id="1" dur="indefinite" restart="never" nodeType="tmRoot">
+          <p:childTnLst>
+            <p:seq concurrent="1" nextAc="seek">
+              <p:cTn id="2" dur="indefinite" nodeType="mainSeq">
+                <p:childTnLst>
+                  <p:par>
+                    <p:cTn id="3" fill="hold">
+                      <p:stCondLst>
+                        <p:cond delay="indefinite"/>
+                      </p:stCondLst>
+                      <p:childTnLst>
+                        <p:par>
+                          <p:cTn id="4" fill="hold">
+                            <p:stCondLst>
+                              <p:cond delay="0"/>
+                            </p:stCondLst>
+                            <p:childTnLst>
+                              <p:par>
+                                <p:cTn id="5" presetID="42" presetClass="entr" presetSubtype="0" fill="hold" grpId="0" nodeType="clickEffect">
+                                  <p:stCondLst>
+                                    <p:cond delay="0"/>
+                                  </p:stCondLst>
+                                  <p:childTnLst>
+                                    <p:set>
+                                      <p:cBhvr>
+                                        <p:cTn id="6" dur="1" fill="hold">
+                                          <p:stCondLst>
+                                            <p:cond delay="0"/>
+                                          </p:stCondLst>
+                                        </p:cTn>
+                                        <p:tgtEl>
+                                          <p:spTgt spid="3">
+                                            <p:txEl>
+                                              <p:pRg st="0" end="0"/>
+                                            </p:txEl>
+                                          </p:spTgt>
+                                        </p:tgtEl>
+                                        <p:attrNameLst>
+                                          <p:attrName>style.visibility</p:attrName>
+                                        </p:attrNameLst>
+                                      </p:cBhvr>
+                                      <p:to>
+                                        <p:strVal val="visible"/>
+                                      </p:to>
+                                    </p:set>
+                                    <p:animEffect transition="in" filter="fade">
+                                      <p:cBhvr>
+                                        <p:cTn id="7" dur="1000"/>
+                                        <p:tgtEl>
+                                          <p:spTgt spid="3">
+                                            <p:txEl>
+                                              <p:pRg st="0" end="0"/>
+                                            </p:txEl>
+                                          </p:spTgt>
+                                        </p:tgtEl>
+                                      </p:cBhvr>
+                                    </p:animEffect>
+                                    <p:anim calcmode="lin" valueType="num">
+                                      <p:cBhvr>
+                                        <p:cTn id="8" dur="1000" fill="hold"/>
+                                        <p:tgtEl>
+                                          <p:spTgt spid="3">
+                                            <p:txEl>
+                                              <p:pRg st="0" end="0"/>
+                                            </p:txEl>
+                                          </p:spTgt>
+                                        </p:tgtEl>
+                                        <p:attrNameLst>
+                                          <p:attrName>ppt_x</p:attrName>
+                                        </p:attrNameLst>
+                                      </p:cBhvr>
+                                      <p:tavLst>
+                                        <p:tav tm="0">
+                                          <p:val>
+                                            <p:strVal val="#ppt_x"/>
+                                          </p:val>
+                                        </p:tav>
+                                        <p:tav tm="100000">
+                                          <p:val>
+                                            <p:strVal val="#ppt_x"/>
+                                          </p:val>
+                                        </p:tav>
+                                      </p:tavLst>
+                                    </p:anim>
+                                    <p:anim calcmode="lin" valueType="num">
+                                      <p:cBhvr>
+                                        <p:cTn id="9" dur="1000" fill="hold"/>
+                                        <p:tgtEl>
+                                          <p:spTgt spid="3">
+                                            <p:txEl>
+                                              <p:pRg st="0" end="0"/>
+                                            </p:txEl>
+                                          </p:spTgt>
+                                        </p:tgtEl>
+                                        <p:attrNameLst>
+                                          <p:attrName>ppt_y</p:attrName>
+                                        </p:attrNameLst>
+                                      </p:cBhvr>
+                                      <p:tavLst>
+                                        <p:tav tm="0">
+                                          <p:val>
+                                            <p:strVal val="#ppt_y+.1"/>
+                                          </p:val>
+                                        </p:tav>
+                                        <p:tav tm="100000">
+                                          <p:val>
+                                            <p:strVal val="#ppt_y"/>
+                                          </p:val>
+                                        </p:tav>
+                                      </p:tavLst>
+                                    </p:anim>
+                                  </p:childTnLst>
+                                </p:cTn>
+                              </p:par>
+                              <p:par>
+                                <p:cTn id="10" presetID="42" presetClass="entr" presetSubtype="0" fill="hold" grpId="0" nodeType="withEffect">
+                                  <p:stCondLst>
+                                    <p:cond delay="0"/>
+                                  </p:stCondLst>
+                                  <p:childTnLst>
+                                    <p:set>
+                                      <p:cBhvr>
+                                        <p:cTn id="11" dur="1" fill="hold">
+                                          <p:stCondLst>
+                                            <p:cond delay="0"/>
+                                          </p:stCondLst>
+                                        </p:cTn>
+                                        <p:tgtEl>
+                                          <p:spTgt spid="3">
+                                            <p:txEl>
+                                              <p:pRg st="1" end="1"/>
+                                            </p:txEl>
+                                          </p:spTgt>
+                                        </p:tgtEl>
+                                        <p:attrNameLst>
+                                          <p:attrName>style.visibility</p:attrName>
+                                        </p:attrNameLst>
+                                      </p:cBhvr>
+                                      <p:to>
+                                        <p:strVal val="visible"/>
+                                      </p:to>
+                                    </p:set>
+                                    <p:animEffect transition="in" filter="fade">
+                                      <p:cBhvr>
+                                        <p:cTn id="12" dur="1000"/>
+                                        <p:tgtEl>
+                                          <p:spTgt spid="3">
+                                            <p:txEl>
+                                              <p:pRg st="1" end="1"/>
+                                            </p:txEl>
+                                          </p:spTgt>
+                                        </p:tgtEl>
+                                      </p:cBhvr>
+                                    </p:animEffect>
+                                    <p:anim calcmode="lin" valueType="num">
+                                      <p:cBhvr>
+                                        <p:cTn id="13" dur="1000" fill="hold"/>
+                                        <p:tgtEl>
+                                          <p:spTgt spid="3">
+                                            <p:txEl>
+                                              <p:pRg st="1" end="1"/>
+                                            </p:txEl>
+                                          </p:spTgt>
+                                        </p:tgtEl>
+                                        <p:attrNameLst>
+                                          <p:attrName>ppt_x</p:attrName>
+                                        </p:attrNameLst>
+                                      </p:cBhvr>
+                                      <p:tavLst>
+                                        <p:tav tm="0">
+                                          <p:val>
+                                            <p:strVal val="#ppt_x"/>
+                                          </p:val>
+                                        </p:tav>
+                                        <p:tav tm="100000">
+                                          <p:val>
+                                            <p:strVal val="#ppt_x"/>
+                                          </p:val>
+                                        </p:tav>
+                                      </p:tavLst>
+                                    </p:anim>
+                                    <p:anim calcmode="lin" valueType="num">
+                                      <p:cBhvr>
+                                        <p:cTn id="14" dur="1000" fill="hold"/>
+                                        <p:tgtEl>
+                                          <p:spTgt spid="3">
+                                            <p:txEl>
+                                              <p:pRg st="1" end="1"/>
+                                            </p:txEl>
+                                          </p:spTgt>
+                                        </p:tgtEl>
+                                        <p:attrNameLst>
+                                          <p:attrName>ppt_y</p:attrName>
+                                        </p:attrNameLst>
+                                      </p:cBhvr>
+                                      <p:tavLst>
+                                        <p:tav tm="0">
+                                          <p:val>
+                                            <p:strVal val="#ppt_y+.1"/>
+                                          </p:val>
+                                        </p:tav>
+                                        <p:tav tm="100000">
+                                          <p:val>
+                                            <p:strVal val="#ppt_y"/>
+                                          </p:val>
+                                        </p:tav>
+                                      </p:tavLst>
+                                    </p:anim>
+                                  </p:childTnLst>
+                                </p:cTn>
+                              </p:par>
+                              <p:par>
+                                <p:cTn id="15" presetID="42" presetClass="entr" presetSubtype="0" fill="hold" grpId="0" nodeType="withEffect">
+                                  <p:stCondLst>
+                                    <p:cond delay="0"/>
+                                  </p:stCondLst>
+                                  <p:childTnLst>
+                                    <p:set>
+                                      <p:cBhvr>
+                                        <p:cTn id="16" dur="1" fill="hold">
+                                          <p:stCondLst>
+                                            <p:cond delay="0"/>
+                                          </p:stCondLst>
+                                        </p:cTn>
+                                        <p:tgtEl>
+                                          <p:spTgt spid="3">
+                                            <p:txEl>
+                                              <p:pRg st="2" end="2"/>
+                                            </p:txEl>
+                                          </p:spTgt>
+                                        </p:tgtEl>
+                                        <p:attrNameLst>
+                                          <p:attrName>style.visibility</p:attrName>
+                                        </p:attrNameLst>
+                                      </p:cBhvr>
+                                      <p:to>
+                                        <p:strVal val="visible"/>
+                                      </p:to>
+                                    </p:set>
+                                    <p:animEffect transition="in" filter="fade">
+                                      <p:cBhvr>
+                                        <p:cTn id="17" dur="1000"/>
+                                        <p:tgtEl>
+                                          <p:spTgt spid="3">
+                                            <p:txEl>
+                                              <p:pRg st="2" end="2"/>
+                                            </p:txEl>
+                                          </p:spTgt>
+                                        </p:tgtEl>
+                                      </p:cBhvr>
+                                    </p:animEffect>
+                                    <p:anim calcmode="lin" valueType="num">
+                                      <p:cBhvr>
+                                        <p:cTn id="18" dur="1000" fill="hold"/>
+                                        <p:tgtEl>
+                                          <p:spTgt spid="3">
+                                            <p:txEl>
+                                              <p:pRg st="2" end="2"/>
+                                            </p:txEl>
+                                          </p:spTgt>
+                                        </p:tgtEl>
+                                        <p:attrNameLst>
+                                          <p:attrName>ppt_x</p:attrName>
+                                        </p:attrNameLst>
+                                      </p:cBhvr>
+                                      <p:tavLst>
+                                        <p:tav tm="0">
+                                          <p:val>
+                                            <p:strVal val="#ppt_x"/>
+                                          </p:val>
+                                        </p:tav>
+                                        <p:tav tm="100000">
+                                          <p:val>
+                                            <p:strVal val="#ppt_x"/>
+                                          </p:val>
+                                        </p:tav>
+                                      </p:tavLst>
+                                    </p:anim>
+                                    <p:anim calcmode="lin" valueType="num">
+                                      <p:cBhvr>
+                                        <p:cTn id="19" dur="1000" fill="hold"/>
+                                        <p:tgtEl>
+                                          <p:spTgt spid="3">
+                                            <p:txEl>
+                                              <p:pRg st="2" end="2"/>
+                                            </p:txEl>
+                                          </p:spTgt>
+                                        </p:tgtEl>
+                                        <p:attrNameLst>
+                                          <p:attrName>ppt_y</p:attrName>
+                                        </p:attrNameLst>
+                                      </p:cBhvr>
+                                      <p:tavLst>
+                                        <p:tav tm="0">
+                                          <p:val>
+                                            <p:strVal val="#ppt_y+.1"/>
+                                          </p:val>
+                                        </p:tav>
+                                        <p:tav tm="100000">
+                                          <p:val>
+                                            <p:strVal val="#ppt_y"/>
+                                          </p:val>
+                                        </p:tav>
+                                      </p:tavLst>
+                                    </p:anim>
+                                  </p:childTnLst>
+                                </p:cTn>
+                              </p:par>
+                              <p:par>
+                                <p:cTn id="20" presetID="42" presetClass="entr" presetSubtype="0" fill="hold" grpId="0" nodeType="withEffect">
+                                  <p:stCondLst>
+                                    <p:cond delay="0"/>
+                                  </p:stCondLst>
+                                  <p:childTnLst>
+                                    <p:set>
+                                      <p:cBhvr>
+                                        <p:cTn id="21" dur="1" fill="hold">
+                                          <p:stCondLst>
+                                            <p:cond delay="0"/>
+                                          </p:stCondLst>
+                                        </p:cTn>
+                                        <p:tgtEl>
+                                          <p:spTgt spid="3">
+                                            <p:txEl>
+                                              <p:pRg st="3" end="3"/>
+                                            </p:txEl>
+                                          </p:spTgt>
+                                        </p:tgtEl>
+                                        <p:attrNameLst>
+                                          <p:attrName>style.visibility</p:attrName>
+                                        </p:attrNameLst>
+                                      </p:cBhvr>
+                                      <p:to>
+                                        <p:strVal val="visible"/>
+                                      </p:to>
+                                    </p:set>
+                                    <p:animEffect transition="in" filter="fade">
+                                      <p:cBhvr>
+                                        <p:cTn id="22" dur="1000"/>
+                                        <p:tgtEl>
+                                          <p:spTgt spid="3">
+                                            <p:txEl>
+                                              <p:pRg st="3" end="3"/>
+                                            </p:txEl>
+                                          </p:spTgt>
+                                        </p:tgtEl>
+                                      </p:cBhvr>
+                                    </p:animEffect>
+                                    <p:anim calcmode="lin" valueType="num">
+                                      <p:cBhvr>
+                                        <p:cTn id="23" dur="1000" fill="hold"/>
+                                        <p:tgtEl>
+                                          <p:spTgt spid="3">
+                                            <p:txEl>
+                                              <p:pRg st="3" end="3"/>
+                                            </p:txEl>
+                                          </p:spTgt>
+                                        </p:tgtEl>
+                                        <p:attrNameLst>
+                                          <p:attrName>ppt_x</p:attrName>
+                                        </p:attrNameLst>
+                                      </p:cBhvr>
+                                      <p:tavLst>
+                                        <p:tav tm="0">
+                                          <p:val>
+                                            <p:strVal val="#ppt_x"/>
+                                          </p:val>
+                                        </p:tav>
+                                        <p:tav tm="100000">
+                                          <p:val>
+                                            <p:strVal val="#ppt_x"/>
+                                          </p:val>
+                                        </p:tav>
+                                      </p:tavLst>
+                                    </p:anim>
+                                    <p:anim calcmode="lin" valueType="num">
+                                      <p:cBhvr>
+                                        <p:cTn id="24" dur="1000" fill="hold"/>
+                                        <p:tgtEl>
+                                          <p:spTgt spid="3">
+                                            <p:txEl>
+                                              <p:pRg st="3" end="3"/>
+                                            </p:txEl>
+                                          </p:spTgt>
+                                        </p:tgtEl>
+                                        <p:attrNameLst>
+                                          <p:attrName>ppt_y</p:attrName>
+                                        </p:attrNameLst>
+                                      </p:cBhvr>
+                                      <p:tavLst>
+                                        <p:tav tm="0">
+                                          <p:val>
+                                            <p:strVal val="#ppt_y+.1"/>
+                                          </p:val>
+                                        </p:tav>
+                                        <p:tav tm="100000">
+                                          <p:val>
+                                            <p:strVal val="#ppt_y"/>
+                                          </p:val>
+                                        </p:tav>
+                                      </p:tavLst>
+                                    </p:anim>
+                                  </p:childTnLst>
+                                </p:cTn>
+                              </p:par>
+                            </p:childTnLst>
+                          </p:cTn>
+                        </p:par>
+                      </p:childTnLst>
+                    </p:cTn>
+                  </p:par>
+                </p:childTnLst>
+              </p:cTn>
+              <p:prevCondLst>
+                <p:cond evt="onPrev" delay="0">
+                  <p:tgtEl>
+                    <p:sldTgt/>
+                  </p:tgtEl>
+                </p:cond>
+              </p:prevCondLst>
+              <p:nextCondLst>
+                <p:cond evt="onNext" delay="0">
+                  <p:tgtEl>
+                    <p:sldTgt/>
+                  </p:tgtEl>
+                </p:cond>
+              </p:nextCondLst>
+            </p:seq>
+          </p:childTnLst>
+        </p:cTn>
+      </p:par>
+    </p:tnLst>
+    <p:bldLst>
+      <p:bldP spid="3" grpId="0" build="p"/>
+    </p:bldLst>
+  </p:timing>
+</p:sld>
+</file>
+
+<file path=ppt/slides/slide14.xml><?xml version="1.0" encoding="utf-8"?>
+<p:sld xmlns:a="http://schemas.openxmlformats.org/drawingml/2006/main" xmlns:r="http://schemas.openxmlformats.org/officeDocument/2006/relationships" xmlns:p="http://schemas.openxmlformats.org/presentationml/2006/main">
+  <p:cSld>
+    <p:spTree>
+      <p:nvGrpSpPr>
+        <p:cNvPr id="1" name=""/>
+        <p:cNvGrpSpPr/>
+        <p:nvPr/>
+      </p:nvGrpSpPr>
+      <p:grpSpPr>
+        <a:xfrm>
+          <a:off x="0" y="0"/>
+          <a:ext cx="0" cy="0"/>
+          <a:chOff x="0" y="0"/>
+          <a:chExt cx="0" cy="0"/>
+        </a:xfrm>
+      </p:grpSpPr>
+      <p:sp>
+        <p:nvSpPr>
+          <p:cNvPr id="3" name="Content Placeholder 2"/>
+          <p:cNvSpPr>
+            <a:spLocks noGrp="1"/>
+          </p:cNvSpPr>
+          <p:nvPr>
+            <p:ph idx="1"/>
+          </p:nvPr>
+        </p:nvSpPr>
+        <p:spPr>
+          <a:xfrm>
+            <a:off x="247650" y="1261268"/>
+            <a:ext cx="8610600" cy="5203666"/>
+          </a:xfrm>
+          <a:ln>
+            <a:noFill/>
+          </a:ln>
+        </p:spPr>
+        <p:txBody>
+          <a:bodyPr>
+            <a:noAutofit/>
+          </a:bodyPr>
+          <a:lstStyle/>
+          <a:p>
+            <a:pPr marL="0" indent="0">
+              <a:buClr>
+                <a:schemeClr val="tx1"/>
+              </a:buClr>
+              <a:buNone/>
+            </a:pPr>
+            <a:r>
+              <a:rPr lang="en-US" sz="2800" smtClean="0">
+                <a:latin typeface="Times New Roman" pitchFamily="18" charset="0"/>
+                <a:cs typeface="Times New Roman" pitchFamily="18" charset="0"/>
+              </a:rPr>
+              <a:t>3. Hạn chế</a:t>
+            </a:r>
+          </a:p>
+          <a:p>
+            <a:pPr marL="457200" lvl="1" indent="0">
+              <a:buNone/>
+            </a:pPr>
+            <a:r>
+              <a:rPr lang="en-US" i="1" smtClean="0">
+                <a:effectLst>
+                  <a:outerShdw blurRad="38100" dist="38100" dir="2700000" algn="tl">
+                    <a:srgbClr val="000000">
+                      <a:alpha val="43137"/>
+                    </a:srgbClr>
+                  </a:outerShdw>
+                </a:effectLst>
+                <a:latin typeface="Times New Roman" pitchFamily="18" charset="0"/>
+                <a:cs typeface="Times New Roman" pitchFamily="18" charset="0"/>
+              </a:rPr>
+              <a:t>* Chức năng chưa làm được</a:t>
+            </a:r>
+          </a:p>
+          <a:p>
+            <a:pPr lvl="1"/>
+            <a:r>
+              <a:rPr lang="en-US" smtClean="0">
+                <a:latin typeface="Times New Roman" pitchFamily="18" charset="0"/>
+                <a:cs typeface="Times New Roman" pitchFamily="18" charset="0"/>
+              </a:rPr>
+              <a:t>Quản lý điện nước.</a:t>
+            </a:r>
+          </a:p>
+          <a:p>
+            <a:pPr lvl="1"/>
+            <a:r>
+              <a:rPr lang="en-US" smtClean="0">
+                <a:latin typeface="Times New Roman" pitchFamily="18" charset="0"/>
+                <a:cs typeface="Times New Roman" pitchFamily="18" charset="0"/>
+              </a:rPr>
+              <a:t>Đăng ký online, duyệt đơn đăng ký.</a:t>
+            </a:r>
+          </a:p>
+          <a:p>
+            <a:pPr lvl="1"/>
+            <a:r>
+              <a:rPr lang="en-US" smtClean="0">
+                <a:latin typeface="Times New Roman" pitchFamily="18" charset="0"/>
+                <a:cs typeface="Times New Roman" pitchFamily="18" charset="0"/>
+              </a:rPr>
+              <a:t>Quản lý thiết bị: chưa chi tiết tài sản, mất hoặc chuyển từ phòng này sang phòng khác.</a:t>
+            </a:r>
+          </a:p>
+          <a:p>
+            <a:pPr lvl="1"/>
+            <a:r>
+              <a:rPr lang="en-US" smtClean="0">
+                <a:latin typeface="Times New Roman" pitchFamily="18" charset="0"/>
+                <a:cs typeface="Times New Roman" pitchFamily="18" charset="0"/>
+              </a:rPr>
+              <a:t>Quản lý sinh viên ở phòng: chưa quản lý được sinh viên đó sử dụng </a:t>
+            </a:r>
+            <a:r>
+              <a:rPr lang="en-US" smtClean="0">
+                <a:latin typeface="Times New Roman" pitchFamily="18" charset="0"/>
+                <a:cs typeface="Times New Roman" pitchFamily="18" charset="0"/>
+              </a:rPr>
+              <a:t>gường, </a:t>
+            </a:r>
+            <a:r>
+              <a:rPr lang="en-US" smtClean="0">
+                <a:latin typeface="Times New Roman" pitchFamily="18" charset="0"/>
+                <a:cs typeface="Times New Roman" pitchFamily="18" charset="0"/>
+              </a:rPr>
+              <a:t>tủ đồ nào khi </a:t>
+            </a:r>
+            <a:r>
+              <a:rPr lang="en-US" smtClean="0">
+                <a:latin typeface="Times New Roman" pitchFamily="18" charset="0"/>
+                <a:cs typeface="Times New Roman" pitchFamily="18" charset="0"/>
+              </a:rPr>
+              <a:t>đang </a:t>
+            </a:r>
+            <a:r>
+              <a:rPr lang="en-US" smtClean="0">
+                <a:latin typeface="Times New Roman" pitchFamily="18" charset="0"/>
+                <a:cs typeface="Times New Roman" pitchFamily="18" charset="0"/>
+              </a:rPr>
+              <a:t>ở KTX</a:t>
+            </a:r>
+            <a:endParaRPr lang="en-US">
+              <a:latin typeface="Times New Roman" pitchFamily="18" charset="0"/>
+              <a:cs typeface="Times New Roman" pitchFamily="18" charset="0"/>
+            </a:endParaRPr>
+          </a:p>
+        </p:txBody>
+      </p:sp>
+      <p:sp>
+        <p:nvSpPr>
+          <p:cNvPr id="4" name="Title 1"/>
+          <p:cNvSpPr txBox="1">
+            <a:spLocks/>
+          </p:cNvSpPr>
+          <p:nvPr/>
+        </p:nvSpPr>
+        <p:spPr>
+          <a:xfrm>
+            <a:off x="-19050" y="342138"/>
+            <a:ext cx="9144000" cy="667512"/>
+          </a:xfrm>
+          <a:prstGeom prst="rect">
+            <a:avLst/>
+          </a:prstGeom>
+          <a:noFill/>
+        </p:spPr>
+        <p:txBody>
+          <a:bodyPr vert="horz" lIns="0" rIns="0" bIns="0" anchor="b">
+            <a:normAutofit/>
+          </a:bodyPr>
+          <a:lstStyle>
+            <a:lvl1pPr algn="l" rtl="0" eaLnBrk="1" latinLnBrk="0" hangingPunct="1">
+              <a:spcBef>
+                <a:spcPct val="0"/>
+              </a:spcBef>
+              <a:buNone/>
+              <a:defRPr kumimoji="0" sz="5000" b="0" kern="1200">
+                <a:ln>
+                  <a:noFill/>
+                </a:ln>
+                <a:solidFill>
+                  <a:schemeClr val="tx2"/>
+                </a:solidFill>
+                <a:effectLst/>
+                <a:latin typeface="+mj-lt"/>
+                <a:ea typeface="+mj-ea"/>
+                <a:cs typeface="+mj-cs"/>
+              </a:defRPr>
+            </a:lvl1pPr>
+          </a:lstStyle>
+          <a:p>
+            <a:pPr algn="ctr"/>
+            <a:r>
+              <a:rPr lang="en-US" sz="4000" smtClean="0">
+                <a:solidFill>
+                  <a:srgbClr val="FFFF00"/>
+                </a:solidFill>
+                <a:latin typeface="Times New Roman" pitchFamily="18" charset="0"/>
+                <a:cs typeface="Times New Roman" pitchFamily="18" charset="0"/>
+              </a:rPr>
+              <a:t>Chương IV: Kết luận và hướng phát triển</a:t>
+            </a:r>
+            <a:endParaRPr lang="en-US" sz="4000">
+              <a:solidFill>
+                <a:srgbClr val="FFFF00"/>
+              </a:solidFill>
+              <a:latin typeface="Times New Roman" pitchFamily="18" charset="0"/>
+              <a:cs typeface="Times New Roman" pitchFamily="18" charset="0"/>
+            </a:endParaRPr>
+          </a:p>
+        </p:txBody>
+      </p:sp>
+      <p:sp>
+        <p:nvSpPr>
+          <p:cNvPr id="5" name="Title 1"/>
+          <p:cNvSpPr txBox="1">
+            <a:spLocks/>
+          </p:cNvSpPr>
+          <p:nvPr/>
+        </p:nvSpPr>
+        <p:spPr bwMode="auto">
+          <a:xfrm>
+            <a:off x="7391400" y="6240303"/>
+            <a:ext cx="1600200" cy="411162"/>
+          </a:xfrm>
+          <a:prstGeom prst="rect">
+            <a:avLst/>
+          </a:prstGeom>
+          <a:noFill/>
+          <a:ln w="9525">
+            <a:noFill/>
+            <a:miter lim="800000"/>
+            <a:headEnd/>
+            <a:tailEnd/>
+          </a:ln>
+          <a:effectLst/>
+        </p:spPr>
+        <p:txBody>
+          <a:bodyPr vert="horz" wrap="square" lIns="91440" tIns="45720" rIns="91440" bIns="45720" numCol="1" anchor="ctr" anchorCtr="0" compatLnSpc="1">
+            <a:prstTxWarp prst="textNoShape">
+              <a:avLst/>
+            </a:prstTxWarp>
+          </a:bodyPr>
+          <a:lstStyle>
+            <a:lvl1pPr algn="l" rtl="0" eaLnBrk="1" fontAlgn="base" hangingPunct="1">
+              <a:spcBef>
+                <a:spcPct val="0"/>
+              </a:spcBef>
+              <a:spcAft>
+                <a:spcPct val="0"/>
+              </a:spcAft>
+              <a:defRPr sz="4400">
+                <a:solidFill>
+                  <a:schemeClr val="tx1"/>
+                </a:solidFill>
+                <a:latin typeface="+mj-lt"/>
+                <a:ea typeface="+mj-ea"/>
+                <a:cs typeface="+mj-cs"/>
+              </a:defRPr>
+            </a:lvl1pPr>
+            <a:lvl2pPr algn="l" rtl="0" eaLnBrk="1" fontAlgn="base" hangingPunct="1">
+              <a:spcBef>
+                <a:spcPct val="0"/>
+              </a:spcBef>
+              <a:spcAft>
+                <a:spcPct val="0"/>
+              </a:spcAft>
+              <a:defRPr sz="4400">
+                <a:solidFill>
+                  <a:schemeClr val="tx1"/>
+                </a:solidFill>
+                <a:latin typeface="Microsoft Sans Serif" pitchFamily="34" charset="0"/>
+              </a:defRPr>
+            </a:lvl2pPr>
+            <a:lvl3pPr algn="l" rtl="0" eaLnBrk="1" fontAlgn="base" hangingPunct="1">
+              <a:spcBef>
+                <a:spcPct val="0"/>
+              </a:spcBef>
+              <a:spcAft>
+                <a:spcPct val="0"/>
+              </a:spcAft>
+              <a:defRPr sz="4400">
+                <a:solidFill>
+                  <a:schemeClr val="tx1"/>
+                </a:solidFill>
+                <a:latin typeface="Microsoft Sans Serif" pitchFamily="34" charset="0"/>
+              </a:defRPr>
+            </a:lvl3pPr>
+            <a:lvl4pPr algn="l" rtl="0" eaLnBrk="1" fontAlgn="base" hangingPunct="1">
+              <a:spcBef>
+                <a:spcPct val="0"/>
+              </a:spcBef>
+              <a:spcAft>
+                <a:spcPct val="0"/>
+              </a:spcAft>
+              <a:defRPr sz="4400">
+                <a:solidFill>
+                  <a:schemeClr val="tx1"/>
+                </a:solidFill>
+                <a:latin typeface="Microsoft Sans Serif" pitchFamily="34" charset="0"/>
+              </a:defRPr>
+            </a:lvl4pPr>
+            <a:lvl5pPr algn="l" rtl="0" eaLnBrk="1" fontAlgn="base" hangingPunct="1">
+              <a:spcBef>
+                <a:spcPct val="0"/>
+              </a:spcBef>
+              <a:spcAft>
+                <a:spcPct val="0"/>
+              </a:spcAft>
+              <a:defRPr sz="4400">
+                <a:solidFill>
+                  <a:schemeClr val="tx1"/>
+                </a:solidFill>
+                <a:latin typeface="Microsoft Sans Serif" pitchFamily="34" charset="0"/>
+              </a:defRPr>
+            </a:lvl5pPr>
+            <a:lvl6pPr marL="457200" algn="l" rtl="0" eaLnBrk="1" fontAlgn="base" hangingPunct="1">
+              <a:spcBef>
+                <a:spcPct val="0"/>
+              </a:spcBef>
+              <a:spcAft>
+                <a:spcPct val="0"/>
+              </a:spcAft>
+              <a:defRPr sz="4400">
+                <a:solidFill>
+                  <a:schemeClr val="tx1"/>
+                </a:solidFill>
+                <a:latin typeface="Microsoft Sans Serif" pitchFamily="34" charset="0"/>
+              </a:defRPr>
+            </a:lvl6pPr>
+            <a:lvl7pPr marL="914400" algn="l" rtl="0" eaLnBrk="1" fontAlgn="base" hangingPunct="1">
+              <a:spcBef>
+                <a:spcPct val="0"/>
+              </a:spcBef>
+              <a:spcAft>
+                <a:spcPct val="0"/>
+              </a:spcAft>
+              <a:defRPr sz="4400">
+                <a:solidFill>
+                  <a:schemeClr val="tx1"/>
+                </a:solidFill>
+                <a:latin typeface="Microsoft Sans Serif" pitchFamily="34" charset="0"/>
+              </a:defRPr>
+            </a:lvl7pPr>
+            <a:lvl8pPr marL="1371600" algn="l" rtl="0" eaLnBrk="1" fontAlgn="base" hangingPunct="1">
+              <a:spcBef>
+                <a:spcPct val="0"/>
+              </a:spcBef>
+              <a:spcAft>
+                <a:spcPct val="0"/>
+              </a:spcAft>
+              <a:defRPr sz="4400">
+                <a:solidFill>
+                  <a:schemeClr val="tx1"/>
+                </a:solidFill>
+                <a:latin typeface="Microsoft Sans Serif" pitchFamily="34" charset="0"/>
+              </a:defRPr>
+            </a:lvl8pPr>
+            <a:lvl9pPr marL="1828800" algn="l" rtl="0" eaLnBrk="1" fontAlgn="base" hangingPunct="1">
+              <a:spcBef>
+                <a:spcPct val="0"/>
+              </a:spcBef>
+              <a:spcAft>
+                <a:spcPct val="0"/>
+              </a:spcAft>
+              <a:defRPr sz="4400">
+                <a:solidFill>
+                  <a:schemeClr val="tx1"/>
+                </a:solidFill>
+                <a:latin typeface="Microsoft Sans Serif" pitchFamily="34" charset="0"/>
+              </a:defRPr>
+            </a:lvl9pPr>
+          </a:lstStyle>
+          <a:p>
+            <a:pPr algn="r"/>
+            <a:r>
+              <a:rPr lang="en-US" sz="2000" smtClean="0">
+                <a:latin typeface="Times New Roman" pitchFamily="18" charset="0"/>
+                <a:cs typeface="Times New Roman" pitchFamily="18" charset="0"/>
+              </a:rPr>
+              <a:t>14</a:t>
+            </a:r>
+            <a:endParaRPr lang="en-US" sz="2000">
+              <a:latin typeface="Times New Roman" pitchFamily="18" charset="0"/>
+              <a:cs typeface="Times New Roman" pitchFamily="18" charset="0"/>
+            </a:endParaRPr>
+          </a:p>
+        </p:txBody>
+      </p:sp>
+    </p:spTree>
+    <p:extLst>
+      <p:ext uri="{BB962C8B-B14F-4D97-AF65-F5344CB8AC3E}">
+        <p14:creationId xmlns:p14="http://schemas.microsoft.com/office/powerpoint/2010/main" val="3085851103"/>
       </p:ext>
     </p:extLst>
   </p:cSld>
@@ -7454,200 +8338,6 @@
                                   </p:childTnLst>
                                 </p:cTn>
                               </p:par>
-                              <p:par>
-                                <p:cTn id="35" presetID="42" presetClass="entr" presetSubtype="0" fill="hold" grpId="0" nodeType="withEffect">
-                                  <p:stCondLst>
-                                    <p:cond delay="0"/>
-                                  </p:stCondLst>
-                                  <p:childTnLst>
-                                    <p:set>
-                                      <p:cBhvr>
-                                        <p:cTn id="36" dur="1" fill="hold">
-                                          <p:stCondLst>
-                                            <p:cond delay="0"/>
-                                          </p:stCondLst>
-                                        </p:cTn>
-                                        <p:tgtEl>
-                                          <p:spTgt spid="3">
-                                            <p:txEl>
-                                              <p:pRg st="6" end="6"/>
-                                            </p:txEl>
-                                          </p:spTgt>
-                                        </p:tgtEl>
-                                        <p:attrNameLst>
-                                          <p:attrName>style.visibility</p:attrName>
-                                        </p:attrNameLst>
-                                      </p:cBhvr>
-                                      <p:to>
-                                        <p:strVal val="visible"/>
-                                      </p:to>
-                                    </p:set>
-                                    <p:animEffect transition="in" filter="fade">
-                                      <p:cBhvr>
-                                        <p:cTn id="37" dur="1000"/>
-                                        <p:tgtEl>
-                                          <p:spTgt spid="3">
-                                            <p:txEl>
-                                              <p:pRg st="6" end="6"/>
-                                            </p:txEl>
-                                          </p:spTgt>
-                                        </p:tgtEl>
-                                      </p:cBhvr>
-                                    </p:animEffect>
-                                    <p:anim calcmode="lin" valueType="num">
-                                      <p:cBhvr>
-                                        <p:cTn id="38" dur="1000" fill="hold"/>
-                                        <p:tgtEl>
-                                          <p:spTgt spid="3">
-                                            <p:txEl>
-                                              <p:pRg st="6" end="6"/>
-                                            </p:txEl>
-                                          </p:spTgt>
-                                        </p:tgtEl>
-                                        <p:attrNameLst>
-                                          <p:attrName>ppt_x</p:attrName>
-                                        </p:attrNameLst>
-                                      </p:cBhvr>
-                                      <p:tavLst>
-                                        <p:tav tm="0">
-                                          <p:val>
-                                            <p:strVal val="#ppt_x"/>
-                                          </p:val>
-                                        </p:tav>
-                                        <p:tav tm="100000">
-                                          <p:val>
-                                            <p:strVal val="#ppt_x"/>
-                                          </p:val>
-                                        </p:tav>
-                                      </p:tavLst>
-                                    </p:anim>
-                                    <p:anim calcmode="lin" valueType="num">
-                                      <p:cBhvr>
-                                        <p:cTn id="39" dur="1000" fill="hold"/>
-                                        <p:tgtEl>
-                                          <p:spTgt spid="3">
-                                            <p:txEl>
-                                              <p:pRg st="6" end="6"/>
-                                            </p:txEl>
-                                          </p:spTgt>
-                                        </p:tgtEl>
-                                        <p:attrNameLst>
-                                          <p:attrName>ppt_y</p:attrName>
-                                        </p:attrNameLst>
-                                      </p:cBhvr>
-                                      <p:tavLst>
-                                        <p:tav tm="0">
-                                          <p:val>
-                                            <p:strVal val="#ppt_y+.1"/>
-                                          </p:val>
-                                        </p:tav>
-                                        <p:tav tm="100000">
-                                          <p:val>
-                                            <p:strVal val="#ppt_y"/>
-                                          </p:val>
-                                        </p:tav>
-                                      </p:tavLst>
-                                    </p:anim>
-                                  </p:childTnLst>
-                                </p:cTn>
-                              </p:par>
-                              <p:par>
-                                <p:cTn id="40" presetID="42" presetClass="entr" presetSubtype="0" fill="hold" grpId="0" nodeType="withEffect">
-                                  <p:stCondLst>
-                                    <p:cond delay="0"/>
-                                  </p:stCondLst>
-                                  <p:childTnLst>
-                                    <p:set>
-                                      <p:cBhvr>
-                                        <p:cTn id="41" dur="1" fill="hold">
-                                          <p:stCondLst>
-                                            <p:cond delay="0"/>
-                                          </p:stCondLst>
-                                        </p:cTn>
-                                        <p:tgtEl>
-                                          <p:spTgt spid="3">
-                                            <p:txEl>
-                                              <p:pRg st="7" end="7"/>
-                                            </p:txEl>
-                                          </p:spTgt>
-                                        </p:tgtEl>
-                                        <p:attrNameLst>
-                                          <p:attrName>style.visibility</p:attrName>
-                                        </p:attrNameLst>
-                                      </p:cBhvr>
-                                      <p:to>
-                                        <p:strVal val="visible"/>
-                                      </p:to>
-                                    </p:set>
-                                    <p:animEffect transition="in" filter="fade">
-                                      <p:cBhvr>
-                                        <p:cTn id="42" dur="1000"/>
-                                        <p:tgtEl>
-                                          <p:spTgt spid="3">
-                                            <p:txEl>
-                                              <p:pRg st="7" end="7"/>
-                                            </p:txEl>
-                                          </p:spTgt>
-                                        </p:tgtEl>
-                                      </p:cBhvr>
-                                    </p:animEffect>
-                                    <p:anim calcmode="lin" valueType="num">
-                                      <p:cBhvr>
-                                        <p:cTn id="43" dur="1000" fill="hold"/>
-                                        <p:tgtEl>
-                                          <p:spTgt spid="3">
-                                            <p:txEl>
-                                              <p:pRg st="7" end="7"/>
-                                            </p:txEl>
-                                          </p:spTgt>
-                                        </p:tgtEl>
-                                        <p:attrNameLst>
-                                          <p:attrName>ppt_x</p:attrName>
-                                        </p:attrNameLst>
-                                      </p:cBhvr>
-                                      <p:tavLst>
-                                        <p:tav tm="0">
-                                          <p:val>
-                                            <p:strVal val="#ppt_x"/>
-                                          </p:val>
-                                        </p:tav>
-                                        <p:tav tm="100000">
-                                          <p:val>
-                                            <p:strVal val="#ppt_x"/>
-                                          </p:val>
-                                        </p:tav>
-                                      </p:tavLst>
-                                    </p:anim>
-                                    <p:anim calcmode="lin" valueType="num">
-                                      <p:cBhvr>
-                                        <p:cTn id="44" dur="1000" fill="hold"/>
-                                        <p:tgtEl>
-                                          <p:spTgt spid="3">
-                                            <p:txEl>
-                                              <p:pRg st="7" end="7"/>
-                                            </p:txEl>
-                                          </p:spTgt>
-                                        </p:tgtEl>
-                                        <p:attrNameLst>
-                                          <p:attrName>ppt_y</p:attrName>
-                                        </p:attrNameLst>
-                                      </p:cBhvr>
-                                      <p:tavLst>
-                                        <p:tav tm="0">
-                                          <p:val>
-                                            <p:strVal val="#ppt_y+.1"/>
-                                          </p:val>
-                                        </p:tav>
-                                        <p:tav tm="100000">
-                                          <p:val>
-                                            <p:strVal val="#ppt_y"/>
-                                          </p:val>
-                                        </p:tav>
-                                      </p:tavLst>
-                                    </p:anim>
-                                  </p:childTnLst>
-                                </p:cTn>
-                              </p:par>
                             </p:childTnLst>
                           </p:cTn>
                         </p:par>
@@ -7682,7 +8372,7 @@
 </p:sld>
 </file>
 
-<file path=ppt/slides/slide14.xml><?xml version="1.0" encoding="utf-8"?>
+<file path=ppt/slides/slide15.xml><?xml version="1.0" encoding="utf-8"?>
 <p:sld xmlns:a="http://schemas.openxmlformats.org/drawingml/2006/main" xmlns:r="http://schemas.openxmlformats.org/officeDocument/2006/relationships" xmlns:p="http://schemas.openxmlformats.org/presentationml/2006/main">
   <p:cSld>
     <p:spTree>
@@ -7762,8 +8452,19 @@
                 <a:latin typeface="Times New Roman" pitchFamily="18" charset="0"/>
                 <a:cs typeface="Times New Roman" pitchFamily="18" charset="0"/>
               </a:rPr>
-              <a:t>Do thời gian thực hiện ngắn .</a:t>
+              <a:t>Do thời gian thực hiện </a:t>
             </a:r>
+            <a:r>
+              <a:rPr lang="en-US" smtClean="0">
+                <a:latin typeface="Times New Roman" pitchFamily="18" charset="0"/>
+                <a:cs typeface="Times New Roman" pitchFamily="18" charset="0"/>
+              </a:rPr>
+              <a:t>ngắn.</a:t>
+            </a:r>
+            <a:endParaRPr lang="en-US">
+              <a:latin typeface="Times New Roman" pitchFamily="18" charset="0"/>
+              <a:cs typeface="Times New Roman" pitchFamily="18" charset="0"/>
+            </a:endParaRPr>
           </a:p>
         </p:txBody>
       </p:sp>
@@ -7777,7 +8478,7 @@
         </p:nvSpPr>
         <p:spPr>
           <a:xfrm>
-            <a:off x="-19050" y="342138"/>
+            <a:off x="-38100" y="361188"/>
             <a:ext cx="9144000" cy="667512"/>
           </a:xfrm>
           <a:prstGeom prst="rect">
@@ -7814,9 +8515,7 @@
             <a:r>
               <a:rPr lang="en-US" sz="4000" smtClean="0">
                 <a:solidFill>
-                  <a:schemeClr val="accent5">
-                    <a:lumMod val="10000"/>
-                  </a:schemeClr>
+                  <a:srgbClr val="FFFF00"/>
                 </a:solidFill>
                 <a:latin typeface="Times New Roman" pitchFamily="18" charset="0"/>
                 <a:cs typeface="Times New Roman" pitchFamily="18" charset="0"/>
@@ -7825,9 +8524,7 @@
             </a:r>
             <a:endParaRPr lang="en-US" sz="4000">
               <a:solidFill>
-                <a:schemeClr val="accent5">
-                  <a:lumMod val="10000"/>
-                </a:schemeClr>
+                <a:srgbClr val="FFFF00"/>
               </a:solidFill>
               <a:latin typeface="Times New Roman" pitchFamily="18" charset="0"/>
               <a:cs typeface="Times New Roman" pitchFamily="18" charset="0"/>
@@ -8003,7 +8700,7 @@
                 <a:latin typeface="Times New Roman" pitchFamily="18" charset="0"/>
                 <a:cs typeface="Times New Roman" pitchFamily="18" charset="0"/>
               </a:rPr>
-              <a:t>14</a:t>
+              <a:t>15</a:t>
             </a:r>
             <a:endParaRPr lang="en-US" sz="2000">
               <a:latin typeface="Times New Roman" pitchFamily="18" charset="0"/>
@@ -8367,7 +9064,7 @@
 </p:sld>
 </file>
 
-<file path=ppt/slides/slide15.xml><?xml version="1.0" encoding="utf-8"?>
+<file path=ppt/slides/slide16.xml><?xml version="1.0" encoding="utf-8"?>
 <p:sld xmlns:a="http://schemas.openxmlformats.org/drawingml/2006/main" xmlns:r="http://schemas.openxmlformats.org/officeDocument/2006/relationships" xmlns:p="http://schemas.openxmlformats.org/presentationml/2006/main">
   <p:cSld>
     <p:spTree>
@@ -8396,8 +9093,8 @@
         </p:nvSpPr>
         <p:spPr>
           <a:xfrm>
-            <a:off x="228600" y="1447799"/>
-            <a:ext cx="8610600" cy="5203665"/>
+            <a:off x="228600" y="1242219"/>
+            <a:ext cx="8896350" cy="5409246"/>
           </a:xfrm>
           <a:ln>
             <a:noFill/>
@@ -8484,8 +9181,32 @@
                 <a:latin typeface="Times New Roman" pitchFamily="18" charset="0"/>
                 <a:cs typeface="Times New Roman" pitchFamily="18" charset="0"/>
               </a:rPr>
-              <a:t>Khắc phục và hoàn thiện các hạn chế đã nói ở mục 4.3.</a:t>
+              <a:t>Khắc phục và hoàn thiện các hạn chế đã nói ở mục 4.3</a:t>
             </a:r>
+            <a:r>
+              <a:rPr lang="en-US" sz="3200" smtClean="0">
+                <a:latin typeface="Times New Roman" pitchFamily="18" charset="0"/>
+                <a:cs typeface="Times New Roman" pitchFamily="18" charset="0"/>
+              </a:rPr>
+              <a:t>.</a:t>
+            </a:r>
+          </a:p>
+          <a:p>
+            <a:pPr lvl="1">
+              <a:buFontTx/>
+              <a:buChar char="-"/>
+            </a:pPr>
+            <a:r>
+              <a:rPr lang="en-US" sz="3200" smtClean="0">
+                <a:latin typeface="Times New Roman" pitchFamily="18" charset="0"/>
+                <a:cs typeface="Times New Roman" pitchFamily="18" charset="0"/>
+              </a:rPr>
+              <a:t>Hoàn thiện các góp ý của các Thầy phản biện và Cô hướng dẫn</a:t>
+            </a:r>
+            <a:endParaRPr lang="en-US" sz="3200">
+              <a:latin typeface="Times New Roman" pitchFamily="18" charset="0"/>
+              <a:cs typeface="Times New Roman" pitchFamily="18" charset="0"/>
+            </a:endParaRPr>
           </a:p>
           <a:p>
             <a:pPr lvl="1">
@@ -8565,9 +9286,7 @@
             <a:r>
               <a:rPr lang="en-US" sz="4000" smtClean="0">
                 <a:solidFill>
-                  <a:schemeClr val="accent5">
-                    <a:lumMod val="10000"/>
-                  </a:schemeClr>
+                  <a:srgbClr val="FFFF00"/>
                 </a:solidFill>
                 <a:latin typeface="Times New Roman" pitchFamily="18" charset="0"/>
                 <a:cs typeface="Times New Roman" pitchFamily="18" charset="0"/>
@@ -8576,9 +9295,7 @@
             </a:r>
             <a:endParaRPr lang="en-US" sz="4000">
               <a:solidFill>
-                <a:schemeClr val="accent5">
-                  <a:lumMod val="10000"/>
-                </a:schemeClr>
+                <a:srgbClr val="FFFF00"/>
               </a:solidFill>
               <a:latin typeface="Times New Roman" pitchFamily="18" charset="0"/>
               <a:cs typeface="Times New Roman" pitchFamily="18" charset="0"/>
@@ -8754,7 +9471,7 @@
                 <a:latin typeface="Times New Roman" pitchFamily="18" charset="0"/>
                 <a:cs typeface="Times New Roman" pitchFamily="18" charset="0"/>
               </a:rPr>
-              <a:t>15</a:t>
+              <a:t>16</a:t>
             </a:r>
             <a:endParaRPr lang="en-US" sz="2000">
               <a:latin typeface="Times New Roman" pitchFamily="18" charset="0"/>
@@ -9278,6 +9995,103 @@
                                   </p:childTnLst>
                                 </p:cTn>
                               </p:par>
+                              <p:par>
+                                <p:cTn id="30" presetID="42" presetClass="entr" presetSubtype="0" fill="hold" grpId="0" nodeType="withEffect">
+                                  <p:stCondLst>
+                                    <p:cond delay="0"/>
+                                  </p:stCondLst>
+                                  <p:childTnLst>
+                                    <p:set>
+                                      <p:cBhvr>
+                                        <p:cTn id="31" dur="1" fill="hold">
+                                          <p:stCondLst>
+                                            <p:cond delay="0"/>
+                                          </p:stCondLst>
+                                        </p:cTn>
+                                        <p:tgtEl>
+                                          <p:spTgt spid="3">
+                                            <p:txEl>
+                                              <p:pRg st="5" end="5"/>
+                                            </p:txEl>
+                                          </p:spTgt>
+                                        </p:tgtEl>
+                                        <p:attrNameLst>
+                                          <p:attrName>style.visibility</p:attrName>
+                                        </p:attrNameLst>
+                                      </p:cBhvr>
+                                      <p:to>
+                                        <p:strVal val="visible"/>
+                                      </p:to>
+                                    </p:set>
+                                    <p:animEffect transition="in" filter="fade">
+                                      <p:cBhvr>
+                                        <p:cTn id="32" dur="1000"/>
+                                        <p:tgtEl>
+                                          <p:spTgt spid="3">
+                                            <p:txEl>
+                                              <p:pRg st="5" end="5"/>
+                                            </p:txEl>
+                                          </p:spTgt>
+                                        </p:tgtEl>
+                                      </p:cBhvr>
+                                    </p:animEffect>
+                                    <p:anim calcmode="lin" valueType="num">
+                                      <p:cBhvr>
+                                        <p:cTn id="33" dur="1000" fill="hold"/>
+                                        <p:tgtEl>
+                                          <p:spTgt spid="3">
+                                            <p:txEl>
+                                              <p:pRg st="5" end="5"/>
+                                            </p:txEl>
+                                          </p:spTgt>
+                                        </p:tgtEl>
+                                        <p:attrNameLst>
+                                          <p:attrName>ppt_x</p:attrName>
+                                        </p:attrNameLst>
+                                      </p:cBhvr>
+                                      <p:tavLst>
+                                        <p:tav tm="0">
+                                          <p:val>
+                                            <p:strVal val="#ppt_x"/>
+                                          </p:val>
+                                        </p:tav>
+                                        <p:tav tm="100000">
+                                          <p:val>
+                                            <p:strVal val="#ppt_x"/>
+                                          </p:val>
+                                        </p:tav>
+                                      </p:tavLst>
+                                    </p:anim>
+                                    <p:anim calcmode="lin" valueType="num">
+                                      <p:cBhvr>
+                                        <p:cTn id="34" dur="1000" fill="hold"/>
+                                        <p:tgtEl>
+                                          <p:spTgt spid="3">
+                                            <p:txEl>
+                                              <p:pRg st="5" end="5"/>
+                                            </p:txEl>
+                                          </p:spTgt>
+                                        </p:tgtEl>
+                                        <p:attrNameLst>
+                                          <p:attrName>ppt_y</p:attrName>
+                                        </p:attrNameLst>
+                                      </p:cBhvr>
+                                      <p:tavLst>
+                                        <p:tav tm="0">
+                                          <p:val>
+                                            <p:strVal val="#ppt_y+.1"/>
+                                          </p:val>
+                                        </p:tav>
+                                        <p:tav tm="100000">
+                                          <p:val>
+                                            <p:strVal val="#ppt_y"/>
+                                          </p:val>
+                                        </p:tav>
+                                      </p:tavLst>
+                                    </p:anim>
+                                  </p:childTnLst>
+                                </p:cTn>
+                              </p:par>
                             </p:childTnLst>
                           </p:cTn>
                         </p:par>
@@ -9312,7 +10126,7 @@
 </p:sld>
 </file>
 
-<file path=ppt/slides/slide16.xml><?xml version="1.0" encoding="utf-8"?>
+<file path=ppt/slides/slide17.xml><?xml version="1.0" encoding="utf-8"?>
 <p:sld xmlns:a="http://schemas.openxmlformats.org/drawingml/2006/main" xmlns:r="http://schemas.openxmlformats.org/officeDocument/2006/relationships" xmlns:p="http://schemas.openxmlformats.org/presentationml/2006/main">
   <p:cSld>
     <p:spTree>
@@ -9459,7 +10273,7 @@
             <a:r>
               <a:rPr lang="en-US" smtClean="0">
                 <a:solidFill>
-                  <a:sysClr val="windowText" lastClr="000000"/>
+                  <a:srgbClr val="FFFF00"/>
                 </a:solidFill>
                 <a:latin typeface="Times New Roman" pitchFamily="18" charset="0"/>
                 <a:cs typeface="Times New Roman" pitchFamily="18" charset="0"/>
@@ -9468,7 +10282,7 @@
             </a:r>
             <a:endParaRPr lang="en-US">
               <a:solidFill>
-                <a:sysClr val="windowText" lastClr="000000"/>
+                <a:srgbClr val="FFFF00"/>
               </a:solidFill>
               <a:latin typeface="Times New Roman" pitchFamily="18" charset="0"/>
               <a:cs typeface="Times New Roman" pitchFamily="18" charset="0"/>
@@ -9476,387 +10290,402 @@
           </a:p>
         </p:txBody>
       </p:sp>
-      <p:sp>
-        <p:nvSpPr>
-          <p:cNvPr id="44" name="AutoShape 41"/>
-          <p:cNvSpPr>
-            <a:spLocks noChangeArrowheads="1"/>
-          </p:cNvSpPr>
+      <p:grpSp>
+        <p:nvGrpSpPr>
+          <p:cNvPr id="3" name="Group 2"/>
+          <p:cNvGrpSpPr/>
           <p:nvPr/>
-        </p:nvSpPr>
-        <p:spPr bwMode="ltGray">
-          <a:xfrm rot="5400000">
-            <a:off x="-2249488" y="1627188"/>
-            <a:ext cx="4824413" cy="4770438"/>
+        </p:nvGrpSpPr>
+        <p:grpSpPr>
+          <a:xfrm>
+            <a:off x="-2222500" y="1600200"/>
+            <a:ext cx="4770438" cy="4824413"/>
+            <a:chOff x="-2222500" y="1600200"/>
+            <a:chExt cx="4770438" cy="4824413"/>
           </a:xfrm>
-          <a:custGeom>
-            <a:avLst/>
-            <a:gdLst>
-              <a:gd name="G0" fmla="+- 10478 0 0"/>
-              <a:gd name="G1" fmla="+- -11739500 0 0"/>
-              <a:gd name="G2" fmla="+- 0 0 -11739500"/>
-              <a:gd name="T0" fmla="*/ 0 256 1"/>
-              <a:gd name="T1" fmla="*/ 180 256 1"/>
-              <a:gd name="G3" fmla="+- -11739500 T0 T1"/>
-              <a:gd name="T2" fmla="*/ 0 256 1"/>
-              <a:gd name="T3" fmla="*/ 90 256 1"/>
-              <a:gd name="G4" fmla="+- -11739500 T2 T3"/>
-              <a:gd name="G5" fmla="*/ G4 2 1"/>
-              <a:gd name="T4" fmla="*/ 90 256 1"/>
-              <a:gd name="T5" fmla="*/ 0 256 1"/>
-              <a:gd name="G6" fmla="+- -11739500 T4 T5"/>
-              <a:gd name="G7" fmla="*/ G6 2 1"/>
-              <a:gd name="G8" fmla="abs -11739500"/>
-              <a:gd name="T6" fmla="*/ 0 256 1"/>
-              <a:gd name="T7" fmla="*/ 90 256 1"/>
-              <a:gd name="G9" fmla="+- G8 T6 T7"/>
-              <a:gd name="G10" fmla="?: G9 G7 G5"/>
-              <a:gd name="T8" fmla="*/ 0 256 1"/>
-              <a:gd name="T9" fmla="*/ 360 256 1"/>
-              <a:gd name="G11" fmla="+- G10 T8 T9"/>
-              <a:gd name="G12" fmla="?: G10 G11 G10"/>
-              <a:gd name="T10" fmla="*/ 0 256 1"/>
-              <a:gd name="T11" fmla="*/ 360 256 1"/>
-              <a:gd name="G13" fmla="+- G12 T10 T11"/>
-              <a:gd name="G14" fmla="?: G12 G13 G12"/>
-              <a:gd name="G15" fmla="+- 0 0 G14"/>
-              <a:gd name="G16" fmla="+- 10800 0 0"/>
-              <a:gd name="G17" fmla="+- 10800 0 10478"/>
-              <a:gd name="G18" fmla="*/ 10478 1 2"/>
-              <a:gd name="G19" fmla="+- G18 5400 0"/>
-              <a:gd name="G20" fmla="cos G19 -11739500"/>
-              <a:gd name="G21" fmla="sin G19 -11739500"/>
-              <a:gd name="G22" fmla="+- G20 10800 0"/>
-              <a:gd name="G23" fmla="+- G21 10800 0"/>
-              <a:gd name="G24" fmla="+- 10800 0 G20"/>
-              <a:gd name="G25" fmla="+- 10478 10800 0"/>
-              <a:gd name="G26" fmla="?: G9 G17 G25"/>
-              <a:gd name="G27" fmla="?: G9 0 21600"/>
-              <a:gd name="G28" fmla="cos 10800 -11739500"/>
-              <a:gd name="G29" fmla="sin 10800 -11739500"/>
-              <a:gd name="G30" fmla="sin 10478 -11739500"/>
-              <a:gd name="G31" fmla="+- G28 10800 0"/>
-              <a:gd name="G32" fmla="+- G29 10800 0"/>
-              <a:gd name="G33" fmla="+- G30 10800 0"/>
-              <a:gd name="G34" fmla="?: G4 0 G31"/>
-              <a:gd name="G35" fmla="?: -11739500 G34 0"/>
-              <a:gd name="G36" fmla="?: G6 G35 G31"/>
-              <a:gd name="G37" fmla="+- 21600 0 G36"/>
-              <a:gd name="G38" fmla="?: G4 0 G33"/>
-              <a:gd name="G39" fmla="?: -11739500 G38 G32"/>
-              <a:gd name="G40" fmla="?: G6 G39 0"/>
-              <a:gd name="G41" fmla="?: G4 G32 21600"/>
-              <a:gd name="G42" fmla="?: G6 G41 G33"/>
-              <a:gd name="T12" fmla="*/ 10800 w 21600"/>
-              <a:gd name="T13" fmla="*/ 0 h 21600"/>
-              <a:gd name="T14" fmla="*/ 162 w 21600"/>
-              <a:gd name="T15" fmla="*/ 10638 h 21600"/>
-              <a:gd name="T16" fmla="*/ 10800 w 21600"/>
-              <a:gd name="T17" fmla="*/ 322 h 21600"/>
-              <a:gd name="T18" fmla="*/ 21438 w 21600"/>
-              <a:gd name="T19" fmla="*/ 10638 h 21600"/>
-              <a:gd name="T20" fmla="*/ G36 w 21600"/>
-              <a:gd name="T21" fmla="*/ G40 h 21600"/>
-              <a:gd name="T22" fmla="*/ G37 w 21600"/>
-              <a:gd name="T23" fmla="*/ G42 h 21600"/>
-            </a:gdLst>
-            <a:ahLst/>
-            <a:cxnLst>
-              <a:cxn ang="0">
-                <a:pos x="T12" y="T13"/>
-              </a:cxn>
-              <a:cxn ang="0">
-                <a:pos x="T14" y="T15"/>
-              </a:cxn>
-              <a:cxn ang="0">
-                <a:pos x="T16" y="T17"/>
-              </a:cxn>
-              <a:cxn ang="0">
-                <a:pos x="T18" y="T19"/>
-              </a:cxn>
-            </a:cxnLst>
-            <a:rect l="T20" t="T21" r="T22" b="T23"/>
-            <a:pathLst>
-              <a:path w="21600" h="21600">
-                <a:moveTo>
-                  <a:pt x="323" y="10641"/>
-                </a:moveTo>
-                <a:cubicBezTo>
-                  <a:pt x="410" y="4916"/>
-                  <a:pt x="5075" y="322"/>
-                  <a:pt x="10800" y="322"/>
-                </a:cubicBezTo>
-                <a:cubicBezTo>
-                  <a:pt x="16524" y="322"/>
-                  <a:pt x="21189" y="4916"/>
-                  <a:pt x="21276" y="10641"/>
-                </a:cubicBezTo>
-                <a:lnTo>
-                  <a:pt x="21598" y="10636"/>
-                </a:lnTo>
-                <a:cubicBezTo>
-                  <a:pt x="21509" y="4736"/>
-                  <a:pt x="16700" y="0"/>
-                  <a:pt x="10799" y="0"/>
-                </a:cubicBezTo>
-                <a:cubicBezTo>
-                  <a:pt x="4899" y="0"/>
-                  <a:pt x="90" y="4736"/>
-                  <a:pt x="1" y="10636"/>
-                </a:cubicBezTo>
-                <a:close/>
-              </a:path>
-            </a:pathLst>
-          </a:custGeom>
-          <a:gradFill rotWithShape="1">
-            <a:gsLst>
-              <a:gs pos="0">
-                <a:schemeClr val="bg2">
-                  <a:gamma/>
-                  <a:tint val="45490"/>
-                  <a:invGamma/>
-                </a:schemeClr>
-              </a:gs>
-              <a:gs pos="50000">
-                <a:schemeClr val="bg2"/>
-              </a:gs>
-              <a:gs pos="100000">
-                <a:schemeClr val="bg2">
-                  <a:gamma/>
-                  <a:tint val="45490"/>
-                  <a:invGamma/>
-                </a:schemeClr>
-              </a:gs>
-            </a:gsLst>
-            <a:lin ang="0" scaled="1"/>
-          </a:gradFill>
-          <a:ln>
-            <a:noFill/>
-          </a:ln>
-          <a:effectLst/>
-          <a:extLst>
-            <a:ext uri="{91240B29-F687-4F45-9708-019B960494DF}">
-              <a14:hiddenLine xmlns:a14="http://schemas.microsoft.com/office/drawing/2010/main" w="9525" algn="ctr">
-                <a:solidFill>
-                  <a:schemeClr val="tx1"/>
-                </a:solidFill>
-                <a:miter lim="800000"/>
-                <a:headEnd/>
-                <a:tailEnd/>
-              </a14:hiddenLine>
-            </a:ext>
-            <a:ext uri="{AF507438-7753-43E0-B8FC-AC1667EBCBE1}">
-              <a14:hiddenEffects xmlns:a14="http://schemas.microsoft.com/office/drawing/2010/main">
-                <a:effectLst>
-                  <a:outerShdw dist="76200" dir="10800000" kx="-3284103" algn="br" rotWithShape="0">
-                    <a:schemeClr val="bg2">
-                      <a:alpha val="50000"/>
-                    </a:schemeClr>
-                  </a:outerShdw>
-                </a:effectLst>
-              </a14:hiddenEffects>
-            </a:ext>
-          </a:extLst>
-        </p:spPr>
-        <p:txBody>
-          <a:bodyPr wrap="none" anchor="ctr"/>
-          <a:lstStyle/>
-          <a:p>
-            <a:pPr eaLnBrk="1" hangingPunct="1">
-              <a:defRPr/>
-            </a:pPr>
-            <a:endParaRPr lang="en-US">
-              <a:latin typeface="Arial" panose="020B0604020202020204" pitchFamily="34" charset="0"/>
-            </a:endParaRPr>
-          </a:p>
-        </p:txBody>
-      </p:sp>
-      <p:sp>
-        <p:nvSpPr>
-          <p:cNvPr id="45" name="AutoShape 42"/>
-          <p:cNvSpPr>
-            <a:spLocks noChangeArrowheads="1"/>
-          </p:cNvSpPr>
-          <p:nvPr/>
-        </p:nvSpPr>
-        <p:spPr bwMode="ltGray">
-          <a:xfrm rot="5400000" flipH="1">
-            <a:off x="-1843881" y="2062956"/>
-            <a:ext cx="4032250" cy="3929063"/>
-          </a:xfrm>
-          <a:custGeom>
-            <a:avLst/>
-            <a:gdLst>
-              <a:gd name="G0" fmla="+- 56 0 0"/>
-              <a:gd name="G1" fmla="+- 11796480 0 0"/>
-              <a:gd name="G2" fmla="+- 0 0 11796480"/>
-              <a:gd name="T0" fmla="*/ 0 256 1"/>
-              <a:gd name="T1" fmla="*/ 180 256 1"/>
-              <a:gd name="G3" fmla="+- 11796480 T0 T1"/>
-              <a:gd name="T2" fmla="*/ 0 256 1"/>
-              <a:gd name="T3" fmla="*/ 90 256 1"/>
-              <a:gd name="G4" fmla="+- 11796480 T2 T3"/>
-              <a:gd name="G5" fmla="*/ G4 2 1"/>
-              <a:gd name="T4" fmla="*/ 90 256 1"/>
-              <a:gd name="T5" fmla="*/ 0 256 1"/>
-              <a:gd name="G6" fmla="+- 11796480 T4 T5"/>
-              <a:gd name="G7" fmla="*/ G6 2 1"/>
-              <a:gd name="G8" fmla="abs 11796480"/>
-              <a:gd name="T6" fmla="*/ 0 256 1"/>
-              <a:gd name="T7" fmla="*/ 90 256 1"/>
-              <a:gd name="G9" fmla="+- G8 T6 T7"/>
-              <a:gd name="G10" fmla="?: G9 G7 G5"/>
-              <a:gd name="T8" fmla="*/ 0 256 1"/>
-              <a:gd name="T9" fmla="*/ 360 256 1"/>
-              <a:gd name="G11" fmla="+- G10 T8 T9"/>
-              <a:gd name="G12" fmla="?: G10 G11 G10"/>
-              <a:gd name="T10" fmla="*/ 0 256 1"/>
-              <a:gd name="T11" fmla="*/ 360 256 1"/>
-              <a:gd name="G13" fmla="+- G12 T10 T11"/>
-              <a:gd name="G14" fmla="?: G12 G13 G12"/>
-              <a:gd name="G15" fmla="+- 0 0 G14"/>
-              <a:gd name="G16" fmla="+- 10800 0 0"/>
-              <a:gd name="G17" fmla="+- 10800 0 56"/>
-              <a:gd name="G18" fmla="*/ 56 1 2"/>
-              <a:gd name="G19" fmla="+- G18 5400 0"/>
-              <a:gd name="G20" fmla="cos G19 11796480"/>
-              <a:gd name="G21" fmla="sin G19 11796480"/>
-              <a:gd name="G22" fmla="+- G20 10800 0"/>
-              <a:gd name="G23" fmla="+- G21 10800 0"/>
-              <a:gd name="G24" fmla="+- 10800 0 G20"/>
-              <a:gd name="G25" fmla="+- 56 10800 0"/>
-              <a:gd name="G26" fmla="?: G9 G17 G25"/>
-              <a:gd name="G27" fmla="?: G9 0 21600"/>
-              <a:gd name="G28" fmla="cos 10800 11796480"/>
-              <a:gd name="G29" fmla="sin 10800 11796480"/>
-              <a:gd name="G30" fmla="sin 56 11796480"/>
-              <a:gd name="G31" fmla="+- G28 10800 0"/>
-              <a:gd name="G32" fmla="+- G29 10800 0"/>
-              <a:gd name="G33" fmla="+- G30 10800 0"/>
-              <a:gd name="G34" fmla="?: G4 0 G31"/>
-              <a:gd name="G35" fmla="?: 11796480 G34 0"/>
-              <a:gd name="G36" fmla="?: G6 G35 G31"/>
-              <a:gd name="G37" fmla="+- 21600 0 G36"/>
-              <a:gd name="G38" fmla="?: G4 0 G33"/>
-              <a:gd name="G39" fmla="?: 11796480 G38 G32"/>
-              <a:gd name="G40" fmla="?: G6 G39 0"/>
-              <a:gd name="G41" fmla="?: G4 G32 21600"/>
-              <a:gd name="G42" fmla="?: G6 G41 G33"/>
-              <a:gd name="T12" fmla="*/ 10800 w 21600"/>
-              <a:gd name="T13" fmla="*/ 0 h 21600"/>
-              <a:gd name="T14" fmla="*/ 5372 w 21600"/>
-              <a:gd name="T15" fmla="*/ 10800 h 21600"/>
-              <a:gd name="T16" fmla="*/ 10800 w 21600"/>
-              <a:gd name="T17" fmla="*/ 10744 h 21600"/>
-              <a:gd name="T18" fmla="*/ 16228 w 21600"/>
-              <a:gd name="T19" fmla="*/ 10800 h 21600"/>
-              <a:gd name="T20" fmla="*/ G36 w 21600"/>
-              <a:gd name="T21" fmla="*/ G40 h 21600"/>
-              <a:gd name="T22" fmla="*/ G37 w 21600"/>
-              <a:gd name="T23" fmla="*/ G42 h 21600"/>
-            </a:gdLst>
-            <a:ahLst/>
-            <a:cxnLst>
-              <a:cxn ang="0">
-                <a:pos x="T12" y="T13"/>
-              </a:cxn>
-              <a:cxn ang="0">
-                <a:pos x="T14" y="T15"/>
-              </a:cxn>
-              <a:cxn ang="0">
-                <a:pos x="T16" y="T17"/>
-              </a:cxn>
-              <a:cxn ang="0">
-                <a:pos x="T18" y="T19"/>
-              </a:cxn>
-            </a:cxnLst>
-            <a:rect l="T20" t="T21" r="T22" b="T23"/>
-            <a:pathLst>
-              <a:path w="21600" h="21600">
-                <a:moveTo>
-                  <a:pt x="10744" y="10800"/>
-                </a:moveTo>
-                <a:cubicBezTo>
-                  <a:pt x="10744" y="10769"/>
-                  <a:pt x="10769" y="10744"/>
-                  <a:pt x="10800" y="10744"/>
-                </a:cubicBezTo>
-                <a:cubicBezTo>
-                  <a:pt x="10830" y="10744"/>
-                  <a:pt x="10856" y="10769"/>
-                  <a:pt x="10856" y="10800"/>
-                </a:cubicBezTo>
-                <a:lnTo>
-                  <a:pt x="21600" y="10800"/>
-                </a:lnTo>
-                <a:cubicBezTo>
-                  <a:pt x="21600" y="4835"/>
-                  <a:pt x="16764" y="0"/>
-                  <a:pt x="10800" y="0"/>
-                </a:cubicBezTo>
-                <a:cubicBezTo>
-                  <a:pt x="4835" y="0"/>
-                  <a:pt x="0" y="4835"/>
-                  <a:pt x="0" y="10799"/>
-                </a:cubicBezTo>
-                <a:close/>
-              </a:path>
-            </a:pathLst>
-          </a:custGeom>
-          <a:gradFill rotWithShape="1">
-            <a:gsLst>
-              <a:gs pos="0">
-                <a:schemeClr val="bg2"/>
-              </a:gs>
-              <a:gs pos="100000">
-                <a:schemeClr val="bg2">
-                  <a:gamma/>
-                  <a:tint val="0"/>
-                  <a:invGamma/>
-                </a:schemeClr>
-              </a:gs>
-            </a:gsLst>
-            <a:lin ang="5400000" scaled="1"/>
-          </a:gradFill>
-          <a:ln>
-            <a:noFill/>
-          </a:ln>
-          <a:effectLst/>
-          <a:extLst>
-            <a:ext uri="{91240B29-F687-4F45-9708-019B960494DF}">
-              <a14:hiddenLine xmlns:a14="http://schemas.microsoft.com/office/drawing/2010/main" w="0" algn="ctr">
-                <a:solidFill>
-                  <a:srgbClr val="000000"/>
-                </a:solidFill>
-                <a:miter lim="800000"/>
-                <a:headEnd/>
-                <a:tailEnd/>
-              </a14:hiddenLine>
-            </a:ext>
-            <a:ext uri="{AF507438-7753-43E0-B8FC-AC1667EBCBE1}">
-              <a14:hiddenEffects xmlns:a14="http://schemas.microsoft.com/office/drawing/2010/main">
-                <a:effectLst>
-                  <a:outerShdw dist="35921" dir="2700000" algn="ctr" rotWithShape="0">
-                    <a:srgbClr val="808080"/>
-                  </a:outerShdw>
-                </a:effectLst>
-              </a14:hiddenEffects>
-            </a:ext>
-          </a:extLst>
-        </p:spPr>
-        <p:txBody>
-          <a:bodyPr wrap="none" anchor="ctr"/>
-          <a:lstStyle/>
-          <a:p>
-            <a:pPr eaLnBrk="1" hangingPunct="1">
-              <a:defRPr/>
-            </a:pPr>
-            <a:endParaRPr lang="en-US">
-              <a:latin typeface="Arial" panose="020B0604020202020204" pitchFamily="34" charset="0"/>
-            </a:endParaRPr>
-          </a:p>
-        </p:txBody>
-      </p:sp>
+        </p:grpSpPr>
+        <p:sp>
+          <p:nvSpPr>
+            <p:cNvPr id="44" name="AutoShape 41"/>
+            <p:cNvSpPr>
+              <a:spLocks noChangeArrowheads="1"/>
+            </p:cNvSpPr>
+            <p:nvPr/>
+          </p:nvSpPr>
+          <p:spPr bwMode="ltGray">
+            <a:xfrm rot="5400000">
+              <a:off x="-2249488" y="1627188"/>
+              <a:ext cx="4824413" cy="4770438"/>
+            </a:xfrm>
+            <a:custGeom>
+              <a:avLst/>
+              <a:gdLst>
+                <a:gd name="G0" fmla="+- 10478 0 0"/>
+                <a:gd name="G1" fmla="+- -11739500 0 0"/>
+                <a:gd name="G2" fmla="+- 0 0 -11739500"/>
+                <a:gd name="T0" fmla="*/ 0 256 1"/>
+                <a:gd name="T1" fmla="*/ 180 256 1"/>
+                <a:gd name="G3" fmla="+- -11739500 T0 T1"/>
+                <a:gd name="T2" fmla="*/ 0 256 1"/>
+                <a:gd name="T3" fmla="*/ 90 256 1"/>
+                <a:gd name="G4" fmla="+- -11739500 T2 T3"/>
+                <a:gd name="G5" fmla="*/ G4 2 1"/>
+                <a:gd name="T4" fmla="*/ 90 256 1"/>
+                <a:gd name="T5" fmla="*/ 0 256 1"/>
+                <a:gd name="G6" fmla="+- -11739500 T4 T5"/>
+                <a:gd name="G7" fmla="*/ G6 2 1"/>
+                <a:gd name="G8" fmla="abs -11739500"/>
+                <a:gd name="T6" fmla="*/ 0 256 1"/>
+                <a:gd name="T7" fmla="*/ 90 256 1"/>
+                <a:gd name="G9" fmla="+- G8 T6 T7"/>
+                <a:gd name="G10" fmla="?: G9 G7 G5"/>
+                <a:gd name="T8" fmla="*/ 0 256 1"/>
+                <a:gd name="T9" fmla="*/ 360 256 1"/>
+                <a:gd name="G11" fmla="+- G10 T8 T9"/>
+                <a:gd name="G12" fmla="?: G10 G11 G10"/>
+                <a:gd name="T10" fmla="*/ 0 256 1"/>
+                <a:gd name="T11" fmla="*/ 360 256 1"/>
+                <a:gd name="G13" fmla="+- G12 T10 T11"/>
+                <a:gd name="G14" fmla="?: G12 G13 G12"/>
+                <a:gd name="G15" fmla="+- 0 0 G14"/>
+                <a:gd name="G16" fmla="+- 10800 0 0"/>
+                <a:gd name="G17" fmla="+- 10800 0 10478"/>
+                <a:gd name="G18" fmla="*/ 10478 1 2"/>
+                <a:gd name="G19" fmla="+- G18 5400 0"/>
+                <a:gd name="G20" fmla="cos G19 -11739500"/>
+                <a:gd name="G21" fmla="sin G19 -11739500"/>
+                <a:gd name="G22" fmla="+- G20 10800 0"/>
+                <a:gd name="G23" fmla="+- G21 10800 0"/>
+                <a:gd name="G24" fmla="+- 10800 0 G20"/>
+                <a:gd name="G25" fmla="+- 10478 10800 0"/>
+                <a:gd name="G26" fmla="?: G9 G17 G25"/>
+                <a:gd name="G27" fmla="?: G9 0 21600"/>
+                <a:gd name="G28" fmla="cos 10800 -11739500"/>
+                <a:gd name="G29" fmla="sin 10800 -11739500"/>
+                <a:gd name="G30" fmla="sin 10478 -11739500"/>
+                <a:gd name="G31" fmla="+- G28 10800 0"/>
+                <a:gd name="G32" fmla="+- G29 10800 0"/>
+                <a:gd name="G33" fmla="+- G30 10800 0"/>
+                <a:gd name="G34" fmla="?: G4 0 G31"/>
+                <a:gd name="G35" fmla="?: -11739500 G34 0"/>
+                <a:gd name="G36" fmla="?: G6 G35 G31"/>
+                <a:gd name="G37" fmla="+- 21600 0 G36"/>
+                <a:gd name="G38" fmla="?: G4 0 G33"/>
+                <a:gd name="G39" fmla="?: -11739500 G38 G32"/>
+                <a:gd name="G40" fmla="?: G6 G39 0"/>
+                <a:gd name="G41" fmla="?: G4 G32 21600"/>
+                <a:gd name="G42" fmla="?: G6 G41 G33"/>
+                <a:gd name="T12" fmla="*/ 10800 w 21600"/>
+                <a:gd name="T13" fmla="*/ 0 h 21600"/>
+                <a:gd name="T14" fmla="*/ 162 w 21600"/>
+                <a:gd name="T15" fmla="*/ 10638 h 21600"/>
+                <a:gd name="T16" fmla="*/ 10800 w 21600"/>
+                <a:gd name="T17" fmla="*/ 322 h 21600"/>
+                <a:gd name="T18" fmla="*/ 21438 w 21600"/>
+                <a:gd name="T19" fmla="*/ 10638 h 21600"/>
+                <a:gd name="T20" fmla="*/ G36 w 21600"/>
+                <a:gd name="T21" fmla="*/ G40 h 21600"/>
+                <a:gd name="T22" fmla="*/ G37 w 21600"/>
+                <a:gd name="T23" fmla="*/ G42 h 21600"/>
+              </a:gdLst>
+              <a:ahLst/>
+              <a:cxnLst>
+                <a:cxn ang="0">
+                  <a:pos x="T12" y="T13"/>
+                </a:cxn>
+                <a:cxn ang="0">
+                  <a:pos x="T14" y="T15"/>
+                </a:cxn>
+                <a:cxn ang="0">
+                  <a:pos x="T16" y="T17"/>
+                </a:cxn>
+                <a:cxn ang="0">
+                  <a:pos x="T18" y="T19"/>
+                </a:cxn>
+              </a:cxnLst>
+              <a:rect l="T20" t="T21" r="T22" b="T23"/>
+              <a:pathLst>
+                <a:path w="21600" h="21600">
+                  <a:moveTo>
+                    <a:pt x="323" y="10641"/>
+                  </a:moveTo>
+                  <a:cubicBezTo>
+                    <a:pt x="410" y="4916"/>
+                    <a:pt x="5075" y="322"/>
+                    <a:pt x="10800" y="322"/>
+                  </a:cubicBezTo>
+                  <a:cubicBezTo>
+                    <a:pt x="16524" y="322"/>
+                    <a:pt x="21189" y="4916"/>
+                    <a:pt x="21276" y="10641"/>
+                  </a:cubicBezTo>
+                  <a:lnTo>
+                    <a:pt x="21598" y="10636"/>
+                  </a:lnTo>
+                  <a:cubicBezTo>
+                    <a:pt x="21509" y="4736"/>
+                    <a:pt x="16700" y="0"/>
+                    <a:pt x="10799" y="0"/>
+                  </a:cubicBezTo>
+                  <a:cubicBezTo>
+                    <a:pt x="4899" y="0"/>
+                    <a:pt x="90" y="4736"/>
+                    <a:pt x="1" y="10636"/>
+                  </a:cubicBezTo>
+                  <a:close/>
+                </a:path>
+              </a:pathLst>
+            </a:custGeom>
+            <a:gradFill rotWithShape="1">
+              <a:gsLst>
+                <a:gs pos="0">
+                  <a:schemeClr val="bg2">
+                    <a:gamma/>
+                    <a:tint val="45490"/>
+                    <a:invGamma/>
+                  </a:schemeClr>
+                </a:gs>
+                <a:gs pos="50000">
+                  <a:schemeClr val="bg2"/>
+                </a:gs>
+                <a:gs pos="100000">
+                  <a:schemeClr val="bg2">
+                    <a:gamma/>
+                    <a:tint val="45490"/>
+                    <a:invGamma/>
+                  </a:schemeClr>
+                </a:gs>
+              </a:gsLst>
+              <a:lin ang="0" scaled="1"/>
+            </a:gradFill>
+            <a:ln>
+              <a:noFill/>
+            </a:ln>
+            <a:effectLst/>
+            <a:extLst>
+              <a:ext uri="{91240B29-F687-4F45-9708-019B960494DF}">
+                <a14:hiddenLine xmlns:a14="http://schemas.microsoft.com/office/drawing/2010/main" w="9525" algn="ctr">
+                  <a:solidFill>
+                    <a:schemeClr val="tx1"/>
+                  </a:solidFill>
+                  <a:miter lim="800000"/>
+                  <a:headEnd/>
+                  <a:tailEnd/>
+                </a14:hiddenLine>
+              </a:ext>
+              <a:ext uri="{AF507438-7753-43E0-B8FC-AC1667EBCBE1}">
+                <a14:hiddenEffects xmlns:a14="http://schemas.microsoft.com/office/drawing/2010/main">
+                  <a:effectLst>
+                    <a:outerShdw dist="76200" dir="10800000" kx="-3284103" algn="br" rotWithShape="0">
+                      <a:schemeClr val="bg2">
+                        <a:alpha val="50000"/>
+                      </a:schemeClr>
+                    </a:outerShdw>
+                  </a:effectLst>
+                </a14:hiddenEffects>
+              </a:ext>
+            </a:extLst>
+          </p:spPr>
+          <p:txBody>
+            <a:bodyPr wrap="none" anchor="ctr"/>
+            <a:lstStyle/>
+            <a:p>
+              <a:pPr eaLnBrk="1" hangingPunct="1">
+                <a:defRPr/>
+              </a:pPr>
+              <a:endParaRPr lang="en-US">
+                <a:latin typeface="Arial" panose="020B0604020202020204" pitchFamily="34" charset="0"/>
+              </a:endParaRPr>
+            </a:p>
+          </p:txBody>
+        </p:sp>
+        <p:sp>
+          <p:nvSpPr>
+            <p:cNvPr id="45" name="AutoShape 42"/>
+            <p:cNvSpPr>
+              <a:spLocks noChangeArrowheads="1"/>
+            </p:cNvSpPr>
+            <p:nvPr/>
+          </p:nvSpPr>
+          <p:spPr bwMode="ltGray">
+            <a:xfrm rot="5400000" flipH="1">
+              <a:off x="-1843881" y="2062956"/>
+              <a:ext cx="4032250" cy="3929063"/>
+            </a:xfrm>
+            <a:custGeom>
+              <a:avLst/>
+              <a:gdLst>
+                <a:gd name="G0" fmla="+- 56 0 0"/>
+                <a:gd name="G1" fmla="+- 11796480 0 0"/>
+                <a:gd name="G2" fmla="+- 0 0 11796480"/>
+                <a:gd name="T0" fmla="*/ 0 256 1"/>
+                <a:gd name="T1" fmla="*/ 180 256 1"/>
+                <a:gd name="G3" fmla="+- 11796480 T0 T1"/>
+                <a:gd name="T2" fmla="*/ 0 256 1"/>
+                <a:gd name="T3" fmla="*/ 90 256 1"/>
+                <a:gd name="G4" fmla="+- 11796480 T2 T3"/>
+                <a:gd name="G5" fmla="*/ G4 2 1"/>
+                <a:gd name="T4" fmla="*/ 90 256 1"/>
+                <a:gd name="T5" fmla="*/ 0 256 1"/>
+                <a:gd name="G6" fmla="+- 11796480 T4 T5"/>
+                <a:gd name="G7" fmla="*/ G6 2 1"/>
+                <a:gd name="G8" fmla="abs 11796480"/>
+                <a:gd name="T6" fmla="*/ 0 256 1"/>
+                <a:gd name="T7" fmla="*/ 90 256 1"/>
+                <a:gd name="G9" fmla="+- G8 T6 T7"/>
+                <a:gd name="G10" fmla="?: G9 G7 G5"/>
+                <a:gd name="T8" fmla="*/ 0 256 1"/>
+                <a:gd name="T9" fmla="*/ 360 256 1"/>
+                <a:gd name="G11" fmla="+- G10 T8 T9"/>
+                <a:gd name="G12" fmla="?: G10 G11 G10"/>
+                <a:gd name="T10" fmla="*/ 0 256 1"/>
+                <a:gd name="T11" fmla="*/ 360 256 1"/>
+                <a:gd name="G13" fmla="+- G12 T10 T11"/>
+                <a:gd name="G14" fmla="?: G12 G13 G12"/>
+                <a:gd name="G15" fmla="+- 0 0 G14"/>
+                <a:gd name="G16" fmla="+- 10800 0 0"/>
+                <a:gd name="G17" fmla="+- 10800 0 56"/>
+                <a:gd name="G18" fmla="*/ 56 1 2"/>
+                <a:gd name="G19" fmla="+- G18 5400 0"/>
+                <a:gd name="G20" fmla="cos G19 11796480"/>
+                <a:gd name="G21" fmla="sin G19 11796480"/>
+                <a:gd name="G22" fmla="+- G20 10800 0"/>
+                <a:gd name="G23" fmla="+- G21 10800 0"/>
+                <a:gd name="G24" fmla="+- 10800 0 G20"/>
+                <a:gd name="G25" fmla="+- 56 10800 0"/>
+                <a:gd name="G26" fmla="?: G9 G17 G25"/>
+                <a:gd name="G27" fmla="?: G9 0 21600"/>
+                <a:gd name="G28" fmla="cos 10800 11796480"/>
+                <a:gd name="G29" fmla="sin 10800 11796480"/>
+                <a:gd name="G30" fmla="sin 56 11796480"/>
+                <a:gd name="G31" fmla="+- G28 10800 0"/>
+                <a:gd name="G32" fmla="+- G29 10800 0"/>
+                <a:gd name="G33" fmla="+- G30 10800 0"/>
+                <a:gd name="G34" fmla="?: G4 0 G31"/>
+                <a:gd name="G35" fmla="?: 11796480 G34 0"/>
+                <a:gd name="G36" fmla="?: G6 G35 G31"/>
+                <a:gd name="G37" fmla="+- 21600 0 G36"/>
+                <a:gd name="G38" fmla="?: G4 0 G33"/>
+                <a:gd name="G39" fmla="?: 11796480 G38 G32"/>
+                <a:gd name="G40" fmla="?: G6 G39 0"/>
+                <a:gd name="G41" fmla="?: G4 G32 21600"/>
+                <a:gd name="G42" fmla="?: G6 G41 G33"/>
+                <a:gd name="T12" fmla="*/ 10800 w 21600"/>
+                <a:gd name="T13" fmla="*/ 0 h 21600"/>
+                <a:gd name="T14" fmla="*/ 5372 w 21600"/>
+                <a:gd name="T15" fmla="*/ 10800 h 21600"/>
+                <a:gd name="T16" fmla="*/ 10800 w 21600"/>
+                <a:gd name="T17" fmla="*/ 10744 h 21600"/>
+                <a:gd name="T18" fmla="*/ 16228 w 21600"/>
+                <a:gd name="T19" fmla="*/ 10800 h 21600"/>
+                <a:gd name="T20" fmla="*/ G36 w 21600"/>
+                <a:gd name="T21" fmla="*/ G40 h 21600"/>
+                <a:gd name="T22" fmla="*/ G37 w 21600"/>
+                <a:gd name="T23" fmla="*/ G42 h 21600"/>
+              </a:gdLst>
+              <a:ahLst/>
+              <a:cxnLst>
+                <a:cxn ang="0">
+                  <a:pos x="T12" y="T13"/>
+                </a:cxn>
+                <a:cxn ang="0">
+                  <a:pos x="T14" y="T15"/>
+                </a:cxn>
+                <a:cxn ang="0">
+                  <a:pos x="T16" y="T17"/>
+                </a:cxn>
+                <a:cxn ang="0">
+                  <a:pos x="T18" y="T19"/>
+                </a:cxn>
+              </a:cxnLst>
+              <a:rect l="T20" t="T21" r="T22" b="T23"/>
+              <a:pathLst>
+                <a:path w="21600" h="21600">
+                  <a:moveTo>
+                    <a:pt x="10744" y="10800"/>
+                  </a:moveTo>
+                  <a:cubicBezTo>
+                    <a:pt x="10744" y="10769"/>
+                    <a:pt x="10769" y="10744"/>
+                    <a:pt x="10800" y="10744"/>
+                  </a:cubicBezTo>
+                  <a:cubicBezTo>
+                    <a:pt x="10830" y="10744"/>
+                    <a:pt x="10856" y="10769"/>
+                    <a:pt x="10856" y="10800"/>
+                  </a:cubicBezTo>
+                  <a:lnTo>
+                    <a:pt x="21600" y="10800"/>
+                  </a:lnTo>
+                  <a:cubicBezTo>
+                    <a:pt x="21600" y="4835"/>
+                    <a:pt x="16764" y="0"/>
+                    <a:pt x="10800" y="0"/>
+                  </a:cubicBezTo>
+                  <a:cubicBezTo>
+                    <a:pt x="4835" y="0"/>
+                    <a:pt x="0" y="4835"/>
+                    <a:pt x="0" y="10799"/>
+                  </a:cubicBezTo>
+                  <a:close/>
+                </a:path>
+              </a:pathLst>
+            </a:custGeom>
+            <a:gradFill rotWithShape="1">
+              <a:gsLst>
+                <a:gs pos="0">
+                  <a:schemeClr val="bg2"/>
+                </a:gs>
+                <a:gs pos="100000">
+                  <a:schemeClr val="bg2">
+                    <a:gamma/>
+                    <a:tint val="0"/>
+                    <a:invGamma/>
+                  </a:schemeClr>
+                </a:gs>
+              </a:gsLst>
+              <a:lin ang="5400000" scaled="1"/>
+            </a:gradFill>
+            <a:ln>
+              <a:noFill/>
+            </a:ln>
+            <a:effectLst/>
+            <a:extLst>
+              <a:ext uri="{91240B29-F687-4F45-9708-019B960494DF}">
+                <a14:hiddenLine xmlns:a14="http://schemas.microsoft.com/office/drawing/2010/main" w="0" algn="ctr">
+                  <a:solidFill>
+                    <a:srgbClr val="000000"/>
+                  </a:solidFill>
+                  <a:miter lim="800000"/>
+                  <a:headEnd/>
+                  <a:tailEnd/>
+                </a14:hiddenLine>
+              </a:ext>
+              <a:ext uri="{AF507438-7753-43E0-B8FC-AC1667EBCBE1}">
+                <a14:hiddenEffects xmlns:a14="http://schemas.microsoft.com/office/drawing/2010/main">
+                  <a:effectLst>
+                    <a:outerShdw dist="35921" dir="2700000" algn="ctr" rotWithShape="0">
+                      <a:srgbClr val="808080"/>
+                    </a:outerShdw>
+                  </a:effectLst>
+                </a14:hiddenEffects>
+              </a:ext>
+            </a:extLst>
+          </p:spPr>
+          <p:txBody>
+            <a:bodyPr wrap="none" anchor="ctr"/>
+            <a:lstStyle/>
+            <a:p>
+              <a:pPr eaLnBrk="1" hangingPunct="1">
+                <a:defRPr/>
+              </a:pPr>
+              <a:endParaRPr lang="en-US">
+                <a:latin typeface="Arial" panose="020B0604020202020204" pitchFamily="34" charset="0"/>
+              </a:endParaRPr>
+            </a:p>
+          </p:txBody>
+        </p:sp>
+      </p:grpSp>
       <p:sp>
         <p:nvSpPr>
           <p:cNvPr id="47" name="AutoShape 44"/>
@@ -12142,7 +12971,7 @@
                                           </p:stCondLst>
                                         </p:cTn>
                                         <p:tgtEl>
-                                          <p:spTgt spid="44"/>
+                                          <p:spTgt spid="50"/>
                                         </p:tgtEl>
                                         <p:attrNameLst>
                                           <p:attrName>style.visibility</p:attrName>
@@ -12156,7 +12985,7 @@
                                       <p:cBhvr>
                                         <p:cTn id="7" dur="1000"/>
                                         <p:tgtEl>
-                                          <p:spTgt spid="44"/>
+                                          <p:spTgt spid="50"/>
                                         </p:tgtEl>
                                       </p:cBhvr>
                                     </p:animEffect>
@@ -12164,7 +12993,7 @@
                                       <p:cBhvr>
                                         <p:cTn id="8" dur="1000" fill="hold"/>
                                         <p:tgtEl>
-                                          <p:spTgt spid="44"/>
+                                          <p:spTgt spid="50"/>
                                         </p:tgtEl>
                                         <p:attrNameLst>
                                           <p:attrName>ppt_x</p:attrName>
@@ -12187,7 +13016,88 @@
                                       <p:cBhvr>
                                         <p:cTn id="9" dur="1000" fill="hold"/>
                                         <p:tgtEl>
-                                          <p:spTgt spid="44"/>
+                                          <p:spTgt spid="50"/>
+                                        </p:tgtEl>
+                                        <p:attrNameLst>
+                                          <p:attrName>ppt_y</p:attrName>
+                                        </p:attrNameLst>
+                                      </p:cBhvr>
+                                      <p:tavLst>
+                                        <p:tav tm="0">
+                                          <p:val>
+                                            <p:strVal val="#ppt_y+.1"/>
+                                          </p:val>
+                                        </p:tav>
+                                        <p:tav tm="100000">
+                                          <p:val>
+                                            <p:strVal val="#ppt_y"/>
+                                          </p:val>
+                                        </p:tav>
+                                      </p:tavLst>
+                                    </p:anim>
+                                  </p:childTnLst>
+                                </p:cTn>
+                              </p:par>
+                              <p:par>
+                                <p:cTn id="10" presetID="42" presetClass="entr" presetSubtype="0" fill="hold" nodeType="withEffect">
+                                  <p:stCondLst>
+                                    <p:cond delay="0"/>
+                                  </p:stCondLst>
+                                  <p:childTnLst>
+                                    <p:set>
+                                      <p:cBhvr>
+                                        <p:cTn id="11" dur="1" fill="hold">
+                                          <p:stCondLst>
+                                            <p:cond delay="0"/>
+                                          </p:stCondLst>
+                                        </p:cTn>
+                                        <p:tgtEl>
+                                          <p:spTgt spid="51"/>
+                                        </p:tgtEl>
+                                        <p:attrNameLst>
+                                          <p:attrName>style.visibility</p:attrName>
+                                        </p:attrNameLst>
+                                      </p:cBhvr>
+                                      <p:to>
+                                        <p:strVal val="visible"/>
+                                      </p:to>
+                                    </p:set>
+                                    <p:animEffect transition="in" filter="fade">
+                                      <p:cBhvr>
+                                        <p:cTn id="12" dur="1000"/>
+                                        <p:tgtEl>
+                                          <p:spTgt spid="51"/>
+                                        </p:tgtEl>
+                                      </p:cBhvr>
+                                    </p:animEffect>
+                                    <p:anim calcmode="lin" valueType="num">
+                                      <p:cBhvr>
+                                        <p:cTn id="13" dur="1000" fill="hold"/>
+                                        <p:tgtEl>
+                                          <p:spTgt spid="51"/>
+                                        </p:tgtEl>
+                                        <p:attrNameLst>
+                                          <p:attrName>ppt_x</p:attrName>
+                                        </p:attrNameLst>
+                                      </p:cBhvr>
+                                      <p:tavLst>
+                                        <p:tav tm="0">
+                                          <p:val>
+                                            <p:strVal val="#ppt_x"/>
+                                          </p:val>
+                                        </p:tav>
+                                        <p:tav tm="100000">
+                                          <p:val>
+                                            <p:strVal val="#ppt_x"/>
+                                          </p:val>
+                                        </p:tav>
+                                      </p:tavLst>
+                                    </p:anim>
+                                    <p:anim calcmode="lin" valueType="num">
+                                      <p:cBhvr>
+                                        <p:cTn id="14" dur="1000" fill="hold"/>
+                                        <p:tgtEl>
+                                          <p:spTgt spid="51"/>
                                         </p:tgtEl>
                                         <p:attrNameLst>
                                           <p:attrName>ppt_y</p:attrName>
@@ -12216,100 +13126,19 @@
                     </p:cTn>
                   </p:par>
                   <p:par>
-                    <p:cTn id="10" fill="hold">
+                    <p:cTn id="15" fill="hold">
                       <p:stCondLst>
                         <p:cond delay="indefinite"/>
                       </p:stCondLst>
                       <p:childTnLst>
                         <p:par>
-                          <p:cTn id="11" fill="hold">
+                          <p:cTn id="16" fill="hold">
                             <p:stCondLst>
                               <p:cond delay="0"/>
                             </p:stCondLst>
                             <p:childTnLst>
                               <p:par>
-                                <p:cTn id="12" presetID="42" presetClass="entr" presetSubtype="0" fill="hold" grpId="0" nodeType="clickEffect">
-                                  <p:stCondLst>
-                                    <p:cond delay="0"/>
-                                  </p:stCondLst>
-                                  <p:childTnLst>
-                                    <p:set>
-                                      <p:cBhvr>
-                                        <p:cTn id="13" dur="1" fill="hold">
-                                          <p:stCondLst>
-                                            <p:cond delay="0"/>
-                                          </p:stCondLst>
-                                        </p:cTn>
-                                        <p:tgtEl>
-                                          <p:spTgt spid="50"/>
-                                        </p:tgtEl>
-                                        <p:attrNameLst>
-                                          <p:attrName>style.visibility</p:attrName>
-                                        </p:attrNameLst>
-                                      </p:cBhvr>
-                                      <p:to>
-                                        <p:strVal val="visible"/>
-                                      </p:to>
-                                    </p:set>
-                                    <p:animEffect transition="in" filter="fade">
-                                      <p:cBhvr>
-                                        <p:cTn id="14" dur="1000"/>
-                                        <p:tgtEl>
-                                          <p:spTgt spid="50"/>
-                                        </p:tgtEl>
-                                      </p:cBhvr>
-                                    </p:animEffect>
-                                    <p:anim calcmode="lin" valueType="num">
-                                      <p:cBhvr>
-                                        <p:cTn id="15" dur="1000" fill="hold"/>
-                                        <p:tgtEl>
-                                          <p:spTgt spid="50"/>
-                                        </p:tgtEl>
-                                        <p:attrNameLst>
-                                          <p:attrName>ppt_x</p:attrName>
-                                        </p:attrNameLst>
-                                      </p:cBhvr>
-                                      <p:tavLst>
-                                        <p:tav tm="0">
-                                          <p:val>
-                                            <p:strVal val="#ppt_x"/>
-                                          </p:val>
-                                        </p:tav>
-                                        <p:tav tm="100000">
-                                          <p:val>
-                                            <p:strVal val="#ppt_x"/>
-                                          </p:val>
-                                        </p:tav>
-                                      </p:tavLst>
-                                    </p:anim>
-                                    <p:anim calcmode="lin" valueType="num">
-                                      <p:cBhvr>
-                                        <p:cTn id="16" dur="1000" fill="hold"/>
-                                        <p:tgtEl>
-                                          <p:spTgt spid="50"/>
-                                        </p:tgtEl>
-                                        <p:attrNameLst>
-                                          <p:attrName>ppt_y</p:attrName>
-                                        </p:attrNameLst>
-                                      </p:cBhvr>
-                                      <p:tavLst>
-                                        <p:tav tm="0">
-                                          <p:val>
-                                            <p:strVal val="#ppt_y+.1"/>
-                                          </p:val>
-                                        </p:tav>
-                                        <p:tav tm="100000">
-                                          <p:val>
-                                            <p:strVal val="#ppt_y"/>
-                                          </p:val>
-                                        </p:tav>
-                                      </p:tavLst>
-                                    </p:anim>
-                                  </p:childTnLst>
-                                </p:cTn>
-                              </p:par>
-                              <p:par>
-                                <p:cTn id="17" presetID="42" presetClass="entr" presetSubtype="0" fill="hold" grpId="0" nodeType="withEffect">
+                                <p:cTn id="17" presetID="42" presetClass="entr" presetSubtype="0" fill="hold" grpId="0" nodeType="clickEffect">
                                   <p:stCondLst>
                                     <p:cond delay="0"/>
                                   </p:stCondLst>
@@ -12322,7 +13151,7 @@
                                           </p:stCondLst>
                                         </p:cTn>
                                         <p:tgtEl>
-                                          <p:spTgt spid="45"/>
+                                          <p:spTgt spid="49"/>
                                         </p:tgtEl>
                                         <p:attrNameLst>
                                           <p:attrName>style.visibility</p:attrName>
@@ -12336,7 +13165,7 @@
                                       <p:cBhvr>
                                         <p:cTn id="19" dur="1000"/>
                                         <p:tgtEl>
-                                          <p:spTgt spid="45"/>
+                                          <p:spTgt spid="49"/>
                                         </p:tgtEl>
                                       </p:cBhvr>
                                     </p:animEffect>
@@ -12344,7 +13173,7 @@
                                       <p:cBhvr>
                                         <p:cTn id="20" dur="1000" fill="hold"/>
                                         <p:tgtEl>
-                                          <p:spTgt spid="45"/>
+                                          <p:spTgt spid="49"/>
                                         </p:tgtEl>
                                         <p:attrNameLst>
                                           <p:attrName>ppt_x</p:attrName>
@@ -12367,7 +13196,7 @@
                                       <p:cBhvr>
                                         <p:cTn id="21" dur="1000" fill="hold"/>
                                         <p:tgtEl>
-                                          <p:spTgt spid="45"/>
+                                          <p:spTgt spid="49"/>
                                         </p:tgtEl>
                                         <p:attrNameLst>
                                           <p:attrName>ppt_y</p:attrName>
@@ -12403,7 +13232,7 @@
                                           </p:stCondLst>
                                         </p:cTn>
                                         <p:tgtEl>
-                                          <p:spTgt spid="51"/>
+                                          <p:spTgt spid="58"/>
                                         </p:tgtEl>
                                         <p:attrNameLst>
                                           <p:attrName>style.visibility</p:attrName>
@@ -12417,7 +13246,7 @@
                                       <p:cBhvr>
                                         <p:cTn id="24" dur="1000"/>
                                         <p:tgtEl>
-                                          <p:spTgt spid="51"/>
+                                          <p:spTgt spid="58"/>
                                         </p:tgtEl>
                                       </p:cBhvr>
                                     </p:animEffect>
@@ -12425,7 +13254,7 @@
                                       <p:cBhvr>
                                         <p:cTn id="25" dur="1000" fill="hold"/>
                                         <p:tgtEl>
-                                          <p:spTgt spid="51"/>
+                                          <p:spTgt spid="58"/>
                                         </p:tgtEl>
                                         <p:attrNameLst>
                                           <p:attrName>ppt_x</p:attrName>
@@ -12448,7 +13277,7 @@
                                       <p:cBhvr>
                                         <p:cTn id="26" dur="1000" fill="hold"/>
                                         <p:tgtEl>
-                                          <p:spTgt spid="51"/>
+                                          <p:spTgt spid="58"/>
                                         </p:tgtEl>
                                         <p:attrNameLst>
                                           <p:attrName>ppt_y</p:attrName>
@@ -12502,7 +13331,7 @@
                                           </p:stCondLst>
                                         </p:cTn>
                                         <p:tgtEl>
-                                          <p:spTgt spid="49"/>
+                                          <p:spTgt spid="48"/>
                                         </p:tgtEl>
                                         <p:attrNameLst>
                                           <p:attrName>style.visibility</p:attrName>
@@ -12516,7 +13345,7 @@
                                       <p:cBhvr>
                                         <p:cTn id="31" dur="1000"/>
                                         <p:tgtEl>
-                                          <p:spTgt spid="49"/>
+                                          <p:spTgt spid="48"/>
                                         </p:tgtEl>
                                       </p:cBhvr>
                                     </p:animEffect>
@@ -12524,7 +13353,7 @@
                                       <p:cBhvr>
                                         <p:cTn id="32" dur="1000" fill="hold"/>
                                         <p:tgtEl>
-                                          <p:spTgt spid="49"/>
+                                          <p:spTgt spid="48"/>
                                         </p:tgtEl>
                                         <p:attrNameLst>
                                           <p:attrName>ppt_x</p:attrName>
@@ -12547,7 +13376,7 @@
                                       <p:cBhvr>
                                         <p:cTn id="33" dur="1000" fill="hold"/>
                                         <p:tgtEl>
-                                          <p:spTgt spid="49"/>
+                                          <p:spTgt spid="48"/>
                                         </p:tgtEl>
                                         <p:attrNameLst>
                                           <p:attrName>ppt_y</p:attrName>
@@ -12583,7 +13412,7 @@
                                           </p:stCondLst>
                                         </p:cTn>
                                         <p:tgtEl>
-                                          <p:spTgt spid="58"/>
+                                          <p:spTgt spid="65"/>
                                         </p:tgtEl>
                                         <p:attrNameLst>
                                           <p:attrName>style.visibility</p:attrName>
@@ -12597,7 +13426,7 @@
                                       <p:cBhvr>
                                         <p:cTn id="36" dur="1000"/>
                                         <p:tgtEl>
-                                          <p:spTgt spid="58"/>
+                                          <p:spTgt spid="65"/>
                                         </p:tgtEl>
                                       </p:cBhvr>
                                     </p:animEffect>
@@ -12605,7 +13434,7 @@
                                       <p:cBhvr>
                                         <p:cTn id="37" dur="1000" fill="hold"/>
                                         <p:tgtEl>
-                                          <p:spTgt spid="58"/>
+                                          <p:spTgt spid="65"/>
                                         </p:tgtEl>
                                         <p:attrNameLst>
                                           <p:attrName>ppt_x</p:attrName>
@@ -12628,7 +13457,7 @@
                                       <p:cBhvr>
                                         <p:cTn id="38" dur="1000" fill="hold"/>
                                         <p:tgtEl>
-                                          <p:spTgt spid="58"/>
+                                          <p:spTgt spid="65"/>
                                         </p:tgtEl>
                                         <p:attrNameLst>
                                           <p:attrName>ppt_y</p:attrName>
@@ -12682,7 +13511,7 @@
                                           </p:stCondLst>
                                         </p:cTn>
                                         <p:tgtEl>
-                                          <p:spTgt spid="48"/>
+                                          <p:spTgt spid="47"/>
                                         </p:tgtEl>
                                         <p:attrNameLst>
                                           <p:attrName>style.visibility</p:attrName>
@@ -12696,7 +13525,7 @@
                                       <p:cBhvr>
                                         <p:cTn id="43" dur="1000"/>
                                         <p:tgtEl>
-                                          <p:spTgt spid="48"/>
+                                          <p:spTgt spid="47"/>
                                         </p:tgtEl>
                                       </p:cBhvr>
                                     </p:animEffect>
@@ -12704,7 +13533,7 @@
                                       <p:cBhvr>
                                         <p:cTn id="44" dur="1000" fill="hold"/>
                                         <p:tgtEl>
-                                          <p:spTgt spid="48"/>
+                                          <p:spTgt spid="47"/>
                                         </p:tgtEl>
                                         <p:attrNameLst>
                                           <p:attrName>ppt_x</p:attrName>
@@ -12727,7 +13556,7 @@
                                       <p:cBhvr>
                                         <p:cTn id="45" dur="1000" fill="hold"/>
                                         <p:tgtEl>
-                                          <p:spTgt spid="48"/>
+                                          <p:spTgt spid="47"/>
                                         </p:tgtEl>
                                         <p:attrNameLst>
                                           <p:attrName>ppt_y</p:attrName>
@@ -12763,7 +13592,7 @@
                                           </p:stCondLst>
                                         </p:cTn>
                                         <p:tgtEl>
-                                          <p:spTgt spid="65"/>
+                                          <p:spTgt spid="72"/>
                                         </p:tgtEl>
                                         <p:attrNameLst>
                                           <p:attrName>style.visibility</p:attrName>
@@ -12777,193 +13606,13 @@
                                       <p:cBhvr>
                                         <p:cTn id="48" dur="1000"/>
                                         <p:tgtEl>
-                                          <p:spTgt spid="65"/>
+                                          <p:spTgt spid="72"/>
                                         </p:tgtEl>
                                       </p:cBhvr>
                                     </p:animEffect>
                                     <p:anim calcmode="lin" valueType="num">
                                       <p:cBhvr>
                                         <p:cTn id="49" dur="1000" fill="hold"/>
-                                        <p:tgtEl>
-                                          <p:spTgt spid="65"/>
-                                        </p:tgtEl>
-                                        <p:attrNameLst>
-                                          <p:attrName>ppt_x</p:attrName>
-                                        </p:attrNameLst>
-                                      </p:cBhvr>
-                                      <p:tavLst>
-                                        <p:tav tm="0">
-                                          <p:val>
-                                            <p:strVal val="#ppt_x"/>
-                                          </p:val>
-                                        </p:tav>
-                                        <p:tav tm="100000">
-                                          <p:val>
-                                            <p:strVal val="#ppt_x"/>
-                                          </p:val>
-                                        </p:tav>
-                                      </p:tavLst>
-                                    </p:anim>
-                                    <p:anim calcmode="lin" valueType="num">
-                                      <p:cBhvr>
-                                        <p:cTn id="50" dur="1000" fill="hold"/>
-                                        <p:tgtEl>
-                                          <p:spTgt spid="65"/>
-                                        </p:tgtEl>
-                                        <p:attrNameLst>
-                                          <p:attrName>ppt_y</p:attrName>
-                                        </p:attrNameLst>
-                                      </p:cBhvr>
-                                      <p:tavLst>
-                                        <p:tav tm="0">
-                                          <p:val>
-                                            <p:strVal val="#ppt_y+.1"/>
-                                          </p:val>
-                                        </p:tav>
-                                        <p:tav tm="100000">
-                                          <p:val>
-                                            <p:strVal val="#ppt_y"/>
-                                          </p:val>
-                                        </p:tav>
-                                      </p:tavLst>
-                                    </p:anim>
-                                  </p:childTnLst>
-                                </p:cTn>
-                              </p:par>
-                            </p:childTnLst>
-                          </p:cTn>
-                        </p:par>
-                      </p:childTnLst>
-                    </p:cTn>
-                  </p:par>
-                  <p:par>
-                    <p:cTn id="51" fill="hold">
-                      <p:stCondLst>
-                        <p:cond delay="indefinite"/>
-                      </p:stCondLst>
-                      <p:childTnLst>
-                        <p:par>
-                          <p:cTn id="52" fill="hold">
-                            <p:stCondLst>
-                              <p:cond delay="0"/>
-                            </p:stCondLst>
-                            <p:childTnLst>
-                              <p:par>
-                                <p:cTn id="53" presetID="42" presetClass="entr" presetSubtype="0" fill="hold" grpId="0" nodeType="clickEffect">
-                                  <p:stCondLst>
-                                    <p:cond delay="0"/>
-                                  </p:stCondLst>
-                                  <p:childTnLst>
-                                    <p:set>
-                                      <p:cBhvr>
-                                        <p:cTn id="54" dur="1" fill="hold">
-                                          <p:stCondLst>
-                                            <p:cond delay="0"/>
-                                          </p:stCondLst>
-                                        </p:cTn>
-                                        <p:tgtEl>
-                                          <p:spTgt spid="47"/>
-                                        </p:tgtEl>
-                                        <p:attrNameLst>
-                                          <p:attrName>style.visibility</p:attrName>
-                                        </p:attrNameLst>
-                                      </p:cBhvr>
-                                      <p:to>
-                                        <p:strVal val="visible"/>
-                                      </p:to>
-                                    </p:set>
-                                    <p:animEffect transition="in" filter="fade">
-                                      <p:cBhvr>
-                                        <p:cTn id="55" dur="1000"/>
-                                        <p:tgtEl>
-                                          <p:spTgt spid="47"/>
-                                        </p:tgtEl>
-                                      </p:cBhvr>
-                                    </p:animEffect>
-                                    <p:anim calcmode="lin" valueType="num">
-                                      <p:cBhvr>
-                                        <p:cTn id="56" dur="1000" fill="hold"/>
-                                        <p:tgtEl>
-                                          <p:spTgt spid="47"/>
-                                        </p:tgtEl>
-                                        <p:attrNameLst>
-                                          <p:attrName>ppt_x</p:attrName>
-                                        </p:attrNameLst>
-                                      </p:cBhvr>
-                                      <p:tavLst>
-                                        <p:tav tm="0">
-                                          <p:val>
-                                            <p:strVal val="#ppt_x"/>
-                                          </p:val>
-                                        </p:tav>
-                                        <p:tav tm="100000">
-                                          <p:val>
-                                            <p:strVal val="#ppt_x"/>
-                                          </p:val>
-                                        </p:tav>
-                                      </p:tavLst>
-                                    </p:anim>
-                                    <p:anim calcmode="lin" valueType="num">
-                                      <p:cBhvr>
-                                        <p:cTn id="57" dur="1000" fill="hold"/>
-                                        <p:tgtEl>
-                                          <p:spTgt spid="47"/>
-                                        </p:tgtEl>
-                                        <p:attrNameLst>
-                                          <p:attrName>ppt_y</p:attrName>
-                                        </p:attrNameLst>
-                                      </p:cBhvr>
-                                      <p:tavLst>
-                                        <p:tav tm="0">
-                                          <p:val>
-                                            <p:strVal val="#ppt_y+.1"/>
-                                          </p:val>
-                                        </p:tav>
-                                        <p:tav tm="100000">
-                                          <p:val>
-                                            <p:strVal val="#ppt_y"/>
-                                          </p:val>
-                                        </p:tav>
-                                      </p:tavLst>
-                                    </p:anim>
-                                  </p:childTnLst>
-                                </p:cTn>
-                              </p:par>
-                              <p:par>
-                                <p:cTn id="58" presetID="42" presetClass="entr" presetSubtype="0" fill="hold" nodeType="withEffect">
-                                  <p:stCondLst>
-                                    <p:cond delay="0"/>
-                                  </p:stCondLst>
-                                  <p:childTnLst>
-                                    <p:set>
-                                      <p:cBhvr>
-                                        <p:cTn id="59" dur="1" fill="hold">
-                                          <p:stCondLst>
-                                            <p:cond delay="0"/>
-                                          </p:stCondLst>
-                                        </p:cTn>
-                                        <p:tgtEl>
-                                          <p:spTgt spid="72"/>
-                                        </p:tgtEl>
-                                        <p:attrNameLst>
-                                          <p:attrName>style.visibility</p:attrName>
-                                        </p:attrNameLst>
-                                      </p:cBhvr>
-                                      <p:to>
-                                        <p:strVal val="visible"/>
-                                      </p:to>
-                                    </p:set>
-                                    <p:animEffect transition="in" filter="fade">
-                                      <p:cBhvr>
-                                        <p:cTn id="60" dur="1000"/>
-                                        <p:tgtEl>
-                                          <p:spTgt spid="72"/>
-                                        </p:tgtEl>
-                                      </p:cBhvr>
-                                    </p:animEffect>
-                                    <p:anim calcmode="lin" valueType="num">
-                                      <p:cBhvr>
-                                        <p:cTn id="61" dur="1000" fill="hold"/>
                                         <p:tgtEl>
                                           <p:spTgt spid="72"/>
                                         </p:tgtEl>
@@ -12986,7 +13635,7 @@
                                     </p:anim>
                                     <p:anim calcmode="lin" valueType="num">
                                       <p:cBhvr>
-                                        <p:cTn id="62" dur="1000" fill="hold"/>
+                                        <p:cTn id="50" dur="1000" fill="hold"/>
                                         <p:tgtEl>
                                           <p:spTgt spid="72"/>
                                         </p:tgtEl>
@@ -13038,8 +13687,6 @@
       </p:par>
     </p:tnLst>
     <p:bldLst>
-      <p:bldP spid="44" grpId="0" animBg="1"/>
-      <p:bldP spid="45" grpId="0" animBg="1"/>
       <p:bldP spid="47" grpId="0" animBg="1"/>
       <p:bldP spid="48" grpId="0" animBg="1"/>
       <p:bldP spid="49" grpId="0" animBg="1"/>
@@ -13113,7 +13760,7 @@
             <a:r>
               <a:rPr lang="en-US" sz="4000" smtClean="0">
                 <a:solidFill>
-                  <a:sysClr val="windowText" lastClr="000000"/>
+                  <a:srgbClr val="FFFF00"/>
                 </a:solidFill>
                 <a:latin typeface="Times New Roman" pitchFamily="18" charset="0"/>
                 <a:cs typeface="Times New Roman" pitchFamily="18" charset="0"/>
@@ -13122,7 +13769,7 @@
             </a:r>
             <a:endParaRPr lang="en-US" sz="4000">
               <a:solidFill>
-                <a:sysClr val="windowText" lastClr="000000"/>
+                <a:srgbClr val="FFFF00"/>
               </a:solidFill>
               <a:latin typeface="Times New Roman" pitchFamily="18" charset="0"/>
               <a:cs typeface="Times New Roman" pitchFamily="18" charset="0"/>
@@ -19279,7 +19926,7 @@
             <a:r>
               <a:rPr lang="en-US" sz="4000" smtClean="0">
                 <a:solidFill>
-                  <a:sysClr val="windowText" lastClr="000000"/>
+                  <a:srgbClr val="FFFF00"/>
                 </a:solidFill>
                 <a:latin typeface="Times New Roman" pitchFamily="18" charset="0"/>
                 <a:cs typeface="Times New Roman" pitchFamily="18" charset="0"/>
@@ -19288,7 +19935,7 @@
             </a:r>
             <a:endParaRPr lang="en-US" sz="4000">
               <a:solidFill>
-                <a:sysClr val="windowText" lastClr="000000"/>
+                <a:srgbClr val="FFFF00"/>
               </a:solidFill>
               <a:latin typeface="Times New Roman" pitchFamily="18" charset="0"/>
               <a:cs typeface="Times New Roman" pitchFamily="18" charset="0"/>
@@ -22512,7 +23159,7 @@
         </p:nvSpPr>
         <p:spPr>
           <a:xfrm>
-            <a:off x="169948" y="671068"/>
+            <a:off x="0" y="337312"/>
             <a:ext cx="9144000" cy="667512"/>
           </a:xfrm>
           <a:prstGeom prst="rect">
@@ -22549,7 +23196,7 @@
             <a:r>
               <a:rPr lang="en-US" sz="4000" smtClean="0">
                 <a:solidFill>
-                  <a:sysClr val="windowText" lastClr="000000"/>
+                  <a:srgbClr val="FFFF00"/>
                 </a:solidFill>
                 <a:latin typeface="Times New Roman" pitchFamily="18" charset="0"/>
                 <a:cs typeface="Times New Roman" pitchFamily="18" charset="0"/>
@@ -22558,7 +23205,7 @@
             </a:r>
             <a:endParaRPr lang="en-US" sz="4000">
               <a:solidFill>
-                <a:sysClr val="windowText" lastClr="000000"/>
+                <a:srgbClr val="FFFF00"/>
               </a:solidFill>
               <a:latin typeface="Times New Roman" pitchFamily="18" charset="0"/>
               <a:cs typeface="Times New Roman" pitchFamily="18" charset="0"/>
@@ -27384,7 +28031,7 @@
             <a:r>
               <a:rPr lang="en-US" sz="4000" smtClean="0">
                 <a:solidFill>
-                  <a:sysClr val="windowText" lastClr="000000"/>
+                  <a:srgbClr val="FFFF00"/>
                 </a:solidFill>
                 <a:latin typeface="Times New Roman" pitchFamily="18" charset="0"/>
                 <a:cs typeface="Times New Roman" pitchFamily="18" charset="0"/>
@@ -27393,7 +28040,7 @@
             </a:r>
             <a:endParaRPr lang="en-US" sz="4000">
               <a:solidFill>
-                <a:sysClr val="windowText" lastClr="000000"/>
+                <a:srgbClr val="FFFF00"/>
               </a:solidFill>
               <a:latin typeface="Times New Roman" pitchFamily="18" charset="0"/>
               <a:cs typeface="Times New Roman" pitchFamily="18" charset="0"/>
@@ -33581,7 +34228,7 @@
         </p:nvSpPr>
         <p:spPr>
           <a:xfrm>
-            <a:off x="-167640" y="228600"/>
+            <a:off x="0" y="381000"/>
             <a:ext cx="9144000" cy="667512"/>
           </a:xfrm>
           <a:prstGeom prst="rect">
@@ -33618,7 +34265,7 @@
             <a:r>
               <a:rPr lang="en-US" sz="4000" smtClean="0">
                 <a:solidFill>
-                  <a:sysClr val="windowText" lastClr="000000"/>
+                  <a:srgbClr val="FFFF00"/>
                 </a:solidFill>
                 <a:latin typeface="Times New Roman" pitchFamily="18" charset="0"/>
                 <a:cs typeface="Times New Roman" pitchFamily="18" charset="0"/>
@@ -33627,7 +34274,7 @@
             </a:r>
             <a:endParaRPr lang="en-US" sz="4000">
               <a:solidFill>
-                <a:sysClr val="windowText" lastClr="000000"/>
+                <a:srgbClr val="FFFF00"/>
               </a:solidFill>
               <a:latin typeface="Times New Roman" pitchFamily="18" charset="0"/>
               <a:cs typeface="Times New Roman" pitchFamily="18" charset="0"/>
@@ -38662,7 +39309,7 @@
             <a:r>
               <a:rPr lang="en-US" sz="4000" smtClean="0">
                 <a:solidFill>
-                  <a:sysClr val="windowText" lastClr="000000"/>
+                  <a:srgbClr val="FFC000"/>
                 </a:solidFill>
                 <a:latin typeface="Times New Roman" pitchFamily="18" charset="0"/>
                 <a:cs typeface="Times New Roman" pitchFamily="18" charset="0"/>
@@ -38840,7 +39487,7 @@
                 <a:latin typeface="Times New Roman" pitchFamily="18" charset="0"/>
                 <a:cs typeface="Times New Roman" pitchFamily="18" charset="0"/>
               </a:rPr>
-              <a:t>7</a:t>
+              <a:t>8</a:t>
             </a:r>
           </a:p>
         </p:txBody>
@@ -38911,7 +39558,7 @@
         </p:nvGrpSpPr>
         <p:grpSpPr bwMode="auto">
           <a:xfrm>
-            <a:off x="75836" y="1737662"/>
+            <a:off x="75836" y="1539401"/>
             <a:ext cx="2153436" cy="3319462"/>
             <a:chOff x="720" y="1296"/>
             <a:chExt cx="1363" cy="1994"/>
@@ -39685,7 +40332,7 @@
           <p:spPr bwMode="gray">
             <a:xfrm>
               <a:off x="767" y="1992"/>
-              <a:ext cx="1296" cy="795"/>
+              <a:ext cx="1296" cy="1165"/>
             </a:xfrm>
             <a:prstGeom prst="rect">
               <a:avLst/>
@@ -39842,7 +40489,7 @@
                   <a:latin typeface="Times New Roman" pitchFamily="18" charset="0"/>
                   <a:cs typeface="Times New Roman" pitchFamily="18" charset="0"/>
                 </a:rPr>
-                <a:t>- Thông tin</a:t>
+                <a:t>- Xem thông tin cá nhân sinh viên </a:t>
               </a:r>
             </a:p>
             <a:p>
@@ -39857,7 +40504,31 @@
                   <a:latin typeface="Times New Roman" pitchFamily="18" charset="0"/>
                   <a:cs typeface="Times New Roman" pitchFamily="18" charset="0"/>
                 </a:rPr>
-                <a:t>- Tìm bạn</a:t>
+                <a:t>- Xem thông tin</a:t>
+              </a:r>
+              <a:r>
+                <a:rPr lang="en-US" sz="2000" b="0">
+                  <a:solidFill>
+                    <a:schemeClr val="accent4">
+                      <a:lumMod val="10000"/>
+                    </a:schemeClr>
+                  </a:solidFill>
+                  <a:latin typeface="Times New Roman" pitchFamily="18" charset="0"/>
+                  <a:cs typeface="Times New Roman" pitchFamily="18" charset="0"/>
+                </a:rPr>
+                <a:t> </a:t>
+              </a:r>
+              <a:r>
+                <a:rPr lang="en-US" sz="2000" b="0" smtClean="0">
+                  <a:solidFill>
+                    <a:schemeClr val="accent4">
+                      <a:lumMod val="10000"/>
+                    </a:schemeClr>
+                  </a:solidFill>
+                  <a:latin typeface="Times New Roman" pitchFamily="18" charset="0"/>
+                  <a:cs typeface="Times New Roman" pitchFamily="18" charset="0"/>
+                </a:rPr>
+                <a:t>tìm bạn</a:t>
               </a:r>
             </a:p>
             <a:p>
@@ -41059,7 +41730,7 @@
                   <a:latin typeface="Times New Roman" pitchFamily="18" charset="0"/>
                   <a:cs typeface="Times New Roman" pitchFamily="18" charset="0"/>
                 </a:rPr>
-                <a:t>- Các tìm kiếm</a:t>
+                <a:t>- Tìm kiếm</a:t>
               </a:r>
             </a:p>
             <a:p>
@@ -42218,7 +42889,7 @@
                   <a:latin typeface="Times New Roman" pitchFamily="18" charset="0"/>
                   <a:cs typeface="Times New Roman" pitchFamily="18" charset="0"/>
                 </a:rPr>
-                <a:t>- Thông tin biên lai</a:t>
+                <a:t>- Xem thông tin biên lai</a:t>
               </a:r>
             </a:p>
             <a:p>
@@ -42449,9 +43120,9 @@
         <p:grpSpPr>
           <a:xfrm>
             <a:off x="6756737" y="2684388"/>
-            <a:ext cx="2090239" cy="3319462"/>
+            <a:ext cx="2090239" cy="3372875"/>
             <a:chOff x="6705261" y="1688235"/>
-            <a:chExt cx="2090239" cy="3319462"/>
+            <a:chExt cx="2090239" cy="3372875"/>
           </a:xfrm>
         </p:grpSpPr>
         <p:grpSp>
@@ -43216,7 +43887,7 @@
           <p:spPr bwMode="gray">
             <a:xfrm>
               <a:off x="6747919" y="2814341"/>
-              <a:ext cx="2047581" cy="1938992"/>
+              <a:ext cx="2047581" cy="2246769"/>
             </a:xfrm>
             <a:prstGeom prst="rect">
               <a:avLst/>
@@ -43373,7 +44044,7 @@
                   <a:latin typeface="Times New Roman" pitchFamily="18" charset="0"/>
                   <a:cs typeface="Times New Roman" pitchFamily="18" charset="0"/>
                 </a:rPr>
-                <a:t>- Có đầy đủ chức năng của cán bộ kế toán, quản lý</a:t>
+                <a:t>- Có đầy đủ chức năng của cán bộ kế toán và quản lý</a:t>
               </a:r>
             </a:p>
             <a:p>
@@ -43388,7 +44059,22 @@
                   <a:latin typeface="Times New Roman" pitchFamily="18" charset="0"/>
                   <a:cs typeface="Times New Roman" pitchFamily="18" charset="0"/>
                 </a:rPr>
-                <a:t>- Xem quá trình xóa, sữa</a:t>
+                <a:t>- Quản lý cán bộ</a:t>
+              </a:r>
+            </a:p>
+            <a:p>
+              <a:pPr eaLnBrk="1" hangingPunct="1"/>
+              <a:r>
+                <a:rPr lang="en-US" sz="2000" b="0" smtClean="0">
+                  <a:solidFill>
+                    <a:schemeClr val="accent4">
+                      <a:lumMod val="10000"/>
+                    </a:schemeClr>
+                  </a:solidFill>
+                  <a:latin typeface="Times New Roman" pitchFamily="18" charset="0"/>
+                  <a:cs typeface="Times New Roman" pitchFamily="18" charset="0"/>
+                </a:rPr>
+                <a:t>- Xem quá trình xóa, sửa.</a:t>
               </a:r>
             </a:p>
             <a:p>
@@ -44033,7 +44719,7 @@
         </p:nvSpPr>
         <p:spPr>
           <a:xfrm>
-            <a:off x="-167640" y="228600"/>
+            <a:off x="-53340" y="266700"/>
             <a:ext cx="9144000" cy="667512"/>
           </a:xfrm>
           <a:prstGeom prst="rect">
@@ -44070,7 +44756,7 @@
             <a:r>
               <a:rPr lang="en-US" sz="4000" smtClean="0">
                 <a:solidFill>
-                  <a:sysClr val="windowText" lastClr="000000"/>
+                  <a:srgbClr val="FFC000"/>
                 </a:solidFill>
                 <a:latin typeface="Times New Roman" pitchFamily="18" charset="0"/>
                 <a:cs typeface="Times New Roman" pitchFamily="18" charset="0"/>
@@ -44090,7 +44776,7 @@
         </p:nvSpPr>
         <p:spPr bwMode="auto">
           <a:xfrm>
-            <a:off x="7391400" y="6240303"/>
+            <a:off x="7300317" y="6445884"/>
             <a:ext cx="1600200" cy="411162"/>
           </a:xfrm>
           <a:prstGeom prst="rect">
@@ -44267,8 +44953,8 @@
         </p:nvSpPr>
         <p:spPr>
           <a:xfrm>
-            <a:off x="381000" y="762000"/>
-            <a:ext cx="8610600" cy="667512"/>
+            <a:off x="289917" y="896112"/>
+            <a:ext cx="8610600" cy="533400"/>
           </a:xfrm>
           <a:prstGeom prst="rect">
             <a:avLst/>
@@ -44308,7 +44994,7 @@
                 <a:latin typeface="Times New Roman" pitchFamily="18" charset="0"/>
                 <a:cs typeface="Times New Roman" pitchFamily="18" charset="0"/>
               </a:rPr>
-              <a:t>Một số from</a:t>
+              <a:t>Giao diện dành cho sinh viên</a:t>
             </a:r>
           </a:p>
         </p:txBody>
@@ -44336,7 +45022,7 @@
         </p:blipFill>
         <p:spPr bwMode="auto">
           <a:xfrm>
-            <a:off x="361950" y="1459992"/>
+            <a:off x="387350" y="1645284"/>
             <a:ext cx="8538567" cy="4800600"/>
           </a:xfrm>
           <a:prstGeom prst="rect">
